--- a/3-Presentation/x-trg-powerpoint.pptx
+++ b/3-Presentation/x-trg-powerpoint.pptx
@@ -212,7 +212,7 @@
           <a:p>
             <a:fld id="{F4621E8F-9AE5-49D8-8FEA-A206A5DE6B5A}" type="datetimeFigureOut">
               <a:rPr lang="fr-CH" smtClean="0"/>
-              <a:t>14.04.2022</a:t>
+              <a:t>02.06.2022</a:t>
             </a:fld>
             <a:endParaRPr lang="fr-CH"/>
           </a:p>
@@ -649,7 +649,7 @@
           <a:p>
             <a:fld id="{6E9CC9FB-C04F-409C-9471-E8938BEA45E4}" type="datetime1">
               <a:rPr lang="fr-CH" smtClean="0"/>
-              <a:t>14.04.2022</a:t>
+              <a:t>02.06.2022</a:t>
             </a:fld>
             <a:endParaRPr lang="fr-CH"/>
           </a:p>
@@ -979,7 +979,7 @@
           <a:p>
             <a:fld id="{678F2A60-7947-4BDC-881A-C5528F8105C2}" type="datetime1">
               <a:rPr lang="fr-CH" smtClean="0"/>
-              <a:t>14.04.2022</a:t>
+              <a:t>02.06.2022</a:t>
             </a:fld>
             <a:endParaRPr lang="fr-CH"/>
           </a:p>
@@ -1159,7 +1159,7 @@
           <a:p>
             <a:fld id="{FAE1BF13-BA8E-4E8F-88A5-F4F93D17AE26}" type="datetime1">
               <a:rPr lang="fr-CH" smtClean="0"/>
-              <a:t>14.04.2022</a:t>
+              <a:t>02.06.2022</a:t>
             </a:fld>
             <a:endParaRPr lang="fr-CH"/>
           </a:p>
@@ -1329,7 +1329,7 @@
           <a:p>
             <a:fld id="{86CEAAF3-EF49-4C4A-AAAE-05DDC68D984C}" type="datetime1">
               <a:rPr lang="fr-CH" smtClean="0"/>
-              <a:t>14.04.2022</a:t>
+              <a:t>02.06.2022</a:t>
             </a:fld>
             <a:endParaRPr lang="fr-CH"/>
           </a:p>
@@ -1606,7 +1606,7 @@
           <a:p>
             <a:fld id="{130DEE6D-C60B-43C5-881A-48F9E1EE870A}" type="datetime1">
               <a:rPr lang="fr-CH" smtClean="0"/>
-              <a:t>14.04.2022</a:t>
+              <a:t>02.06.2022</a:t>
             </a:fld>
             <a:endParaRPr lang="fr-CH"/>
           </a:p>
@@ -2000,7 +2000,7 @@
           <a:p>
             <a:fld id="{24FAEFE4-19D8-4ED1-92C5-9763DD77037D}" type="datetime1">
               <a:rPr lang="fr-CH" smtClean="0"/>
-              <a:t>14.04.2022</a:t>
+              <a:t>02.06.2022</a:t>
             </a:fld>
             <a:endParaRPr lang="fr-CH"/>
           </a:p>
@@ -2482,7 +2482,7 @@
           <a:p>
             <a:fld id="{E50C3965-A663-421D-9485-6EA2C6C9C7D8}" type="datetime1">
               <a:rPr lang="fr-CH" smtClean="0"/>
-              <a:t>14.04.2022</a:t>
+              <a:t>02.06.2022</a:t>
             </a:fld>
             <a:endParaRPr lang="fr-CH"/>
           </a:p>
@@ -2605,7 +2605,7 @@
           <a:p>
             <a:fld id="{67337510-B127-4C87-9D65-B87AA589C28B}" type="datetime1">
               <a:rPr lang="fr-CH" smtClean="0"/>
-              <a:t>14.04.2022</a:t>
+              <a:t>02.06.2022</a:t>
             </a:fld>
             <a:endParaRPr lang="fr-CH"/>
           </a:p>
@@ -2700,7 +2700,7 @@
           <a:p>
             <a:fld id="{2454FE32-287C-46E2-844C-27064569500A}" type="datetime1">
               <a:rPr lang="fr-CH" smtClean="0"/>
-              <a:t>14.04.2022</a:t>
+              <a:t>02.06.2022</a:t>
             </a:fld>
             <a:endParaRPr lang="fr-CH"/>
           </a:p>
@@ -3046,7 +3046,7 @@
           <a:p>
             <a:fld id="{F1EB5D37-3CFC-48FA-9297-C6BF76A94C0C}" type="datetime1">
               <a:rPr lang="fr-CH" smtClean="0"/>
-              <a:t>14.04.2022</a:t>
+              <a:t>02.06.2022</a:t>
             </a:fld>
             <a:endParaRPr lang="fr-CH"/>
           </a:p>
@@ -3439,7 +3439,7 @@
           <a:p>
             <a:fld id="{F19DA43F-3060-4ACE-8EB3-D075CF2FB0E5}" type="datetime1">
               <a:rPr lang="fr-CH" smtClean="0"/>
-              <a:t>14.04.2022</a:t>
+              <a:t>02.06.2022</a:t>
             </a:fld>
             <a:endParaRPr lang="fr-CH"/>
           </a:p>
@@ -3717,7 +3717,7 @@
           <a:p>
             <a:fld id="{23A98F3A-B8FB-4752-91CA-3BFDDB66AF04}" type="datetime1">
               <a:rPr lang="fr-CH" smtClean="0"/>
-              <a:t>14.04.2022</a:t>
+              <a:t>02.06.2022</a:t>
             </a:fld>
             <a:endParaRPr lang="fr-CH"/>
           </a:p>
@@ -4240,14 +4240,26 @@
             <p:ph type="ctrTitle"/>
           </p:nvPr>
         </p:nvSpPr>
-        <p:spPr/>
+        <p:spPr>
+          <a:xfrm>
+            <a:off x="1915127" y="1416611"/>
+            <a:ext cx="8361229" cy="2098226"/>
+          </a:xfrm>
+        </p:spPr>
         <p:txBody>
           <a:bodyPr/>
           <a:lstStyle/>
           <a:p>
             <a:r>
               <a:rPr lang="fr-CH" b="1" dirty="0" smtClean="0"/>
-              <a:t>tpi</a:t>
+              <a:t>Tpi</a:t>
+            </a:r>
+            <a:br>
+              <a:rPr lang="fr-CH" b="1" dirty="0" smtClean="0"/>
+            </a:br>
+            <a:r>
+              <a:rPr lang="fr-CH" sz="4000" b="1" dirty="0"/>
+              <a:t>-</a:t>
             </a:r>
             <a:r>
               <a:rPr lang="fr-CH" b="1" dirty="0"/>
@@ -4257,10 +4269,10 @@
               <a:rPr lang="fr-CH" b="1" dirty="0"/>
             </a:br>
             <a:r>
-              <a:rPr lang="fr-CH" b="1" dirty="0" smtClean="0"/>
-              <a:t>taskmanager</a:t>
-            </a:r>
-            <a:endParaRPr lang="fr-CH" b="1" dirty="0"/>
+              <a:rPr lang="fr-CH" sz="5400" b="1" dirty="0" smtClean="0"/>
+              <a:t>Gestionnaire de tâches</a:t>
+            </a:r>
+            <a:endParaRPr lang="fr-CH" sz="5400" b="1" dirty="0"/>
           </a:p>
         </p:txBody>
       </p:sp>
@@ -4274,23 +4286,50 @@
             <p:ph type="subTitle" idx="1"/>
           </p:nvPr>
         </p:nvSpPr>
-        <p:spPr/>
+        <p:spPr>
+          <a:xfrm>
+            <a:off x="2569779" y="4017564"/>
+            <a:ext cx="7051923" cy="1306539"/>
+          </a:xfrm>
+        </p:spPr>
         <p:txBody>
           <a:bodyPr>
-            <a:normAutofit/>
+            <a:normAutofit fontScale="85000" lnSpcReduction="20000"/>
           </a:bodyPr>
           <a:lstStyle/>
           <a:p>
             <a:r>
               <a:rPr lang="fr-CH" dirty="0"/>
-              <a:t>Tristan Gerber</a:t>
-            </a:r>
-          </a:p>
-          <a:p>
-            <a:r>
-              <a:rPr lang="fr-CH" dirty="0"/>
-              <a:t>Chef de projet : M. Dimitrios Lymberis</a:t>
-            </a:r>
+              <a:t>Tristan </a:t>
+            </a:r>
+            <a:r>
+              <a:rPr lang="fr-CH" dirty="0" smtClean="0"/>
+              <a:t>Gerber</a:t>
+            </a:r>
+          </a:p>
+          <a:p>
+            <a:r>
+              <a:rPr lang="fr-CH" dirty="0" smtClean="0"/>
+              <a:t>Chef de projet : M. </a:t>
+            </a:r>
+            <a:r>
+              <a:rPr lang="fr-CH" dirty="0" smtClean="0"/>
+              <a:t>Roberto Ferrari</a:t>
+            </a:r>
+            <a:endParaRPr lang="fr-CH" dirty="0" smtClean="0"/>
+          </a:p>
+          <a:p>
+            <a:r>
+              <a:rPr lang="fr-CH" dirty="0" smtClean="0"/>
+              <a:t>Expert 1 : M. Joseph Brandenberg</a:t>
+            </a:r>
+          </a:p>
+          <a:p>
+            <a:r>
+              <a:rPr lang="fr-CH" dirty="0" smtClean="0"/>
+              <a:t>Expert 2 : M. Serge Wenger</a:t>
+            </a:r>
+            <a:endParaRPr lang="fr-CH" dirty="0"/>
           </a:p>
         </p:txBody>
       </p:sp>
@@ -4334,6 +4373,13 @@
   <p:clrMapOvr>
     <a:masterClrMapping/>
   </p:clrMapOvr>
+  <p:timing>
+    <p:tnLst>
+      <p:par>
+        <p:cTn id="1" dur="indefinite" restart="never" nodeType="tmRoot"/>
+      </p:par>
+    </p:tnLst>
+  </p:timing>
 </p:sld>
 </file>
 
@@ -4365,344 +4411,6 @@
           <a:chExt cx="0" cy="0"/>
         </a:xfrm>
       </p:grpSpPr>
-      <p:pic>
-        <p:nvPicPr>
-          <p:cNvPr id="5" name="Image 4"/>
-          <p:cNvPicPr/>
-          <p:nvPr/>
-        </p:nvPicPr>
-        <p:blipFill>
-          <a:blip r:embed="rId2">
-            <a:extLst>
-              <a:ext uri="{28A0092B-C50C-407E-A947-70E740481C1C}">
-                <a14:useLocalDpi xmlns:a14="http://schemas.microsoft.com/office/drawing/2010/main" val="0"/>
-              </a:ext>
-            </a:extLst>
-          </a:blip>
-          <a:stretch>
-            <a:fillRect/>
-          </a:stretch>
-        </p:blipFill>
-        <p:spPr>
-          <a:xfrm>
-            <a:off x="1219932" y="364441"/>
-            <a:ext cx="3105150" cy="5566410"/>
-          </a:xfrm>
-          <a:prstGeom prst="rect">
-            <a:avLst/>
-          </a:prstGeom>
-          <a:ln>
-            <a:noFill/>
-          </a:ln>
-          <a:effectLst>
-            <a:outerShdw blurRad="190500" algn="tl" rotWithShape="0">
-              <a:srgbClr val="000000">
-                <a:alpha val="70000"/>
-              </a:srgbClr>
-            </a:outerShdw>
-          </a:effectLst>
-        </p:spPr>
-      </p:pic>
-      <p:pic>
-        <p:nvPicPr>
-          <p:cNvPr id="7" name="Image 6"/>
-          <p:cNvPicPr>
-            <a:picLocks noChangeAspect="1"/>
-          </p:cNvPicPr>
-          <p:nvPr/>
-        </p:nvPicPr>
-        <p:blipFill>
-          <a:blip r:embed="rId3">
-            <a:extLst>
-              <a:ext uri="{28A0092B-C50C-407E-A947-70E740481C1C}">
-                <a14:useLocalDpi xmlns:a14="http://schemas.microsoft.com/office/drawing/2010/main" val="0"/>
-              </a:ext>
-            </a:extLst>
-          </a:blip>
-          <a:stretch>
-            <a:fillRect/>
-          </a:stretch>
-        </p:blipFill>
-        <p:spPr>
-          <a:xfrm>
-            <a:off x="4934723" y="364441"/>
-            <a:ext cx="3139549" cy="5566410"/>
-          </a:xfrm>
-          <a:prstGeom prst="rect">
-            <a:avLst/>
-          </a:prstGeom>
-        </p:spPr>
-      </p:pic>
-      <p:pic>
-        <p:nvPicPr>
-          <p:cNvPr id="8" name="Image 7"/>
-          <p:cNvPicPr/>
-          <p:nvPr/>
-        </p:nvPicPr>
-        <p:blipFill>
-          <a:blip r:embed="rId4">
-            <a:extLst>
-              <a:ext uri="{28A0092B-C50C-407E-A947-70E740481C1C}">
-                <a14:useLocalDpi xmlns:a14="http://schemas.microsoft.com/office/drawing/2010/main" val="0"/>
-              </a:ext>
-            </a:extLst>
-          </a:blip>
-          <a:stretch>
-            <a:fillRect/>
-          </a:stretch>
-        </p:blipFill>
-        <p:spPr>
-          <a:xfrm>
-            <a:off x="8692111" y="364441"/>
-            <a:ext cx="2677160" cy="1229995"/>
-          </a:xfrm>
-          <a:prstGeom prst="rect">
-            <a:avLst/>
-          </a:prstGeom>
-        </p:spPr>
-      </p:pic>
-      <p:pic>
-        <p:nvPicPr>
-          <p:cNvPr id="11" name="Image 10"/>
-          <p:cNvPicPr/>
-          <p:nvPr/>
-        </p:nvPicPr>
-        <p:blipFill rotWithShape="1">
-          <a:blip r:embed="rId5">
-            <a:extLst>
-              <a:ext uri="{28A0092B-C50C-407E-A947-70E740481C1C}">
-                <a14:useLocalDpi xmlns:a14="http://schemas.microsoft.com/office/drawing/2010/main" val="0"/>
-              </a:ext>
-            </a:extLst>
-          </a:blip>
-          <a:srcRect r="-34" b="23791"/>
-          <a:stretch/>
-        </p:blipFill>
-        <p:spPr bwMode="auto">
-          <a:xfrm>
-            <a:off x="8692111" y="3170753"/>
-            <a:ext cx="2690495" cy="1236980"/>
-          </a:xfrm>
-          <a:prstGeom prst="rect">
-            <a:avLst/>
-          </a:prstGeom>
-          <a:ln>
-            <a:noFill/>
-          </a:ln>
-          <a:extLst>
-            <a:ext uri="{53640926-AAD7-44D8-BBD7-CCE9431645EC}">
-              <a14:shadowObscured xmlns:a14="http://schemas.microsoft.com/office/drawing/2010/main"/>
-            </a:ext>
-          </a:extLst>
-        </p:spPr>
-      </p:pic>
-      <p:sp>
-        <p:nvSpPr>
-          <p:cNvPr id="14" name="Rectangle 13"/>
-          <p:cNvSpPr/>
-          <p:nvPr/>
-        </p:nvSpPr>
-        <p:spPr>
-          <a:xfrm>
-            <a:off x="8692111" y="745441"/>
-            <a:ext cx="2690495" cy="215141"/>
-          </a:xfrm>
-          <a:prstGeom prst="rect">
-            <a:avLst/>
-          </a:prstGeom>
-          <a:noFill/>
-          <a:ln>
-            <a:solidFill>
-              <a:srgbClr val="FF0000"/>
-            </a:solidFill>
-          </a:ln>
-        </p:spPr>
-        <p:style>
-          <a:lnRef idx="2">
-            <a:schemeClr val="accent1">
-              <a:shade val="50000"/>
-            </a:schemeClr>
-          </a:lnRef>
-          <a:fillRef idx="1">
-            <a:schemeClr val="accent1"/>
-          </a:fillRef>
-          <a:effectRef idx="0">
-            <a:schemeClr val="accent1"/>
-          </a:effectRef>
-          <a:fontRef idx="minor">
-            <a:schemeClr val="lt1"/>
-          </a:fontRef>
-        </p:style>
-        <p:txBody>
-          <a:bodyPr rot="0" spcFirstLastPara="0" vert="horz" wrap="square" lIns="91440" tIns="45720" rIns="91440" bIns="45720" numCol="1" spcCol="0" rtlCol="0" fromWordArt="0" anchor="ctr" anchorCtr="0" forceAA="0" compatLnSpc="1">
-            <a:prstTxWarp prst="textNoShape">
-              <a:avLst/>
-            </a:prstTxWarp>
-            <a:noAutofit/>
-          </a:bodyPr>
-          <a:lstStyle/>
-          <a:p>
-            <a:endParaRPr lang="fr-CH"/>
-          </a:p>
-        </p:txBody>
-      </p:sp>
-      <p:sp>
-        <p:nvSpPr>
-          <p:cNvPr id="15" name="Rectangle 14"/>
-          <p:cNvSpPr/>
-          <p:nvPr/>
-        </p:nvSpPr>
-        <p:spPr>
-          <a:xfrm>
-            <a:off x="8688012" y="3532578"/>
-            <a:ext cx="2690495" cy="434651"/>
-          </a:xfrm>
-          <a:prstGeom prst="rect">
-            <a:avLst/>
-          </a:prstGeom>
-          <a:noFill/>
-          <a:ln>
-            <a:solidFill>
-              <a:srgbClr val="FF0000"/>
-            </a:solidFill>
-          </a:ln>
-        </p:spPr>
-        <p:style>
-          <a:lnRef idx="2">
-            <a:schemeClr val="accent1">
-              <a:shade val="50000"/>
-            </a:schemeClr>
-          </a:lnRef>
-          <a:fillRef idx="1">
-            <a:schemeClr val="accent1"/>
-          </a:fillRef>
-          <a:effectRef idx="0">
-            <a:schemeClr val="accent1"/>
-          </a:effectRef>
-          <a:fontRef idx="minor">
-            <a:schemeClr val="lt1"/>
-          </a:fontRef>
-        </p:style>
-        <p:txBody>
-          <a:bodyPr rot="0" spcFirstLastPara="0" vert="horz" wrap="square" lIns="91440" tIns="45720" rIns="91440" bIns="45720" numCol="1" spcCol="0" rtlCol="0" fromWordArt="0" anchor="ctr" anchorCtr="0" forceAA="0" compatLnSpc="1">
-            <a:prstTxWarp prst="textNoShape">
-              <a:avLst/>
-            </a:prstTxWarp>
-            <a:noAutofit/>
-          </a:bodyPr>
-          <a:lstStyle/>
-          <a:p>
-            <a:endParaRPr lang="fr-CH"/>
-          </a:p>
-        </p:txBody>
-      </p:sp>
-      <p:pic>
-        <p:nvPicPr>
-          <p:cNvPr id="16" name="Image 15" descr="Afficher l’image source"/>
-          <p:cNvPicPr/>
-          <p:nvPr/>
-        </p:nvPicPr>
-        <p:blipFill>
-          <a:blip r:embed="rId6" cstate="print">
-            <a:extLst>
-              <a:ext uri="{28A0092B-C50C-407E-A947-70E740481C1C}">
-                <a14:useLocalDpi xmlns:a14="http://schemas.microsoft.com/office/drawing/2010/main" val="0"/>
-              </a:ext>
-            </a:extLst>
-          </a:blip>
-          <a:srcRect/>
-          <a:stretch>
-            <a:fillRect/>
-          </a:stretch>
-        </p:blipFill>
-        <p:spPr bwMode="auto">
-          <a:xfrm>
-            <a:off x="10979064" y="823646"/>
-            <a:ext cx="158750" cy="238125"/>
-          </a:xfrm>
-          <a:prstGeom prst="rect">
-            <a:avLst/>
-          </a:prstGeom>
-          <a:noFill/>
-          <a:ln>
-            <a:noFill/>
-          </a:ln>
-        </p:spPr>
-      </p:pic>
-      <p:pic>
-        <p:nvPicPr>
-          <p:cNvPr id="17" name="Image 16" descr="Afficher l’image source"/>
-          <p:cNvPicPr/>
-          <p:nvPr/>
-        </p:nvPicPr>
-        <p:blipFill>
-          <a:blip r:embed="rId6" cstate="print">
-            <a:extLst>
-              <a:ext uri="{28A0092B-C50C-407E-A947-70E740481C1C}">
-                <a14:useLocalDpi xmlns:a14="http://schemas.microsoft.com/office/drawing/2010/main" val="0"/>
-              </a:ext>
-            </a:extLst>
-          </a:blip>
-          <a:srcRect/>
-          <a:stretch>
-            <a:fillRect/>
-          </a:stretch>
-        </p:blipFill>
-        <p:spPr bwMode="auto">
-          <a:xfrm>
-            <a:off x="10979064" y="3028583"/>
-            <a:ext cx="158750" cy="238125"/>
-          </a:xfrm>
-          <a:prstGeom prst="rect">
-            <a:avLst/>
-          </a:prstGeom>
-          <a:noFill/>
-          <a:ln>
-            <a:noFill/>
-          </a:ln>
-        </p:spPr>
-      </p:pic>
-      <p:pic>
-        <p:nvPicPr>
-          <p:cNvPr id="2050" name="Picture 2" descr="Afficher l’image source"/>
-          <p:cNvPicPr>
-            <a:picLocks noChangeAspect="1" noChangeArrowheads="1"/>
-          </p:cNvPicPr>
-          <p:nvPr/>
-        </p:nvPicPr>
-        <p:blipFill>
-          <a:blip r:embed="rId7" cstate="print">
-            <a:extLst>
-              <a:ext uri="{28A0092B-C50C-407E-A947-70E740481C1C}">
-                <a14:useLocalDpi xmlns:a14="http://schemas.microsoft.com/office/drawing/2010/main" val="0"/>
-              </a:ext>
-            </a:extLst>
-          </a:blip>
-          <a:srcRect/>
-          <a:stretch>
-            <a:fillRect/>
-          </a:stretch>
-        </p:blipFill>
-        <p:spPr bwMode="auto">
-          <a:xfrm>
-            <a:off x="9637387" y="1982623"/>
-            <a:ext cx="799942" cy="799942"/>
-          </a:xfrm>
-          <a:prstGeom prst="rect">
-            <a:avLst/>
-          </a:prstGeom>
-          <a:noFill/>
-          <a:extLst>
-            <a:ext uri="{909E8E84-426E-40DD-AFC4-6F175D3DCCD1}">
-              <a14:hiddenFill xmlns:a14="http://schemas.microsoft.com/office/drawing/2010/main">
-                <a:solidFill>
-                  <a:srgbClr val="FFFFFF"/>
-                </a:solidFill>
-              </a14:hiddenFill>
-            </a:ext>
-          </a:extLst>
-        </p:spPr>
-      </p:pic>
       <p:sp>
         <p:nvSpPr>
           <p:cNvPr id="18" name="ZoneTexte 17">
@@ -4749,6 +4457,13 @@
   <p:clrMapOvr>
     <a:masterClrMapping/>
   </p:clrMapOvr>
+  <p:timing>
+    <p:tnLst>
+      <p:par>
+        <p:cTn id="1" dur="indefinite" restart="never" nodeType="tmRoot"/>
+      </p:par>
+    </p:tnLst>
+  </p:timing>
 </p:sld>
 </file>
 
@@ -4780,130 +4495,6 @@
           <a:chExt cx="0" cy="0"/>
         </a:xfrm>
       </p:grpSpPr>
-      <p:pic>
-        <p:nvPicPr>
-          <p:cNvPr id="5" name="Image 4"/>
-          <p:cNvPicPr/>
-          <p:nvPr/>
-        </p:nvPicPr>
-        <p:blipFill>
-          <a:blip r:embed="rId2">
-            <a:extLst>
-              <a:ext uri="{28A0092B-C50C-407E-A947-70E740481C1C}">
-                <a14:useLocalDpi xmlns:a14="http://schemas.microsoft.com/office/drawing/2010/main" val="0"/>
-              </a:ext>
-            </a:extLst>
-          </a:blip>
-          <a:stretch>
-            <a:fillRect/>
-          </a:stretch>
-        </p:blipFill>
-        <p:spPr>
-          <a:xfrm>
-            <a:off x="8464867" y="483110"/>
-            <a:ext cx="3034665" cy="5399405"/>
-          </a:xfrm>
-          <a:prstGeom prst="rect">
-            <a:avLst/>
-          </a:prstGeom>
-          <a:ln w="88900" cap="sq" cmpd="thickThin">
-            <a:solidFill>
-              <a:srgbClr val="000000"/>
-            </a:solidFill>
-            <a:prstDash val="solid"/>
-            <a:miter lim="800000"/>
-          </a:ln>
-          <a:effectLst>
-            <a:innerShdw blurRad="76200">
-              <a:srgbClr val="000000"/>
-            </a:innerShdw>
-          </a:effectLst>
-        </p:spPr>
-      </p:pic>
-      <p:pic>
-        <p:nvPicPr>
-          <p:cNvPr id="6" name="Image 5"/>
-          <p:cNvPicPr/>
-          <p:nvPr/>
-        </p:nvPicPr>
-        <p:blipFill>
-          <a:blip r:embed="rId3">
-            <a:extLst>
-              <a:ext uri="{28A0092B-C50C-407E-A947-70E740481C1C}">
-                <a14:useLocalDpi xmlns:a14="http://schemas.microsoft.com/office/drawing/2010/main" val="0"/>
-              </a:ext>
-            </a:extLst>
-          </a:blip>
-          <a:stretch>
-            <a:fillRect/>
-          </a:stretch>
-        </p:blipFill>
-        <p:spPr>
-          <a:xfrm>
-            <a:off x="1313308" y="483109"/>
-            <a:ext cx="3023870" cy="5399405"/>
-          </a:xfrm>
-          <a:prstGeom prst="rect">
-            <a:avLst/>
-          </a:prstGeom>
-          <a:ln w="88900" cap="sq" cmpd="thickThin">
-            <a:solidFill>
-              <a:srgbClr val="000000"/>
-            </a:solidFill>
-            <a:prstDash val="solid"/>
-            <a:miter lim="800000"/>
-          </a:ln>
-          <a:effectLst>
-            <a:innerShdw blurRad="76200">
-              <a:srgbClr val="000000"/>
-            </a:innerShdw>
-          </a:effectLst>
-        </p:spPr>
-      </p:pic>
-      <p:pic>
-        <p:nvPicPr>
-          <p:cNvPr id="7" name="Image 6"/>
-          <p:cNvPicPr/>
-          <p:nvPr/>
-        </p:nvPicPr>
-        <p:blipFill rotWithShape="1">
-          <a:blip r:embed="rId4">
-            <a:extLst>
-              <a:ext uri="{28A0092B-C50C-407E-A947-70E740481C1C}">
-                <a14:useLocalDpi xmlns:a14="http://schemas.microsoft.com/office/drawing/2010/main" val="0"/>
-              </a:ext>
-            </a:extLst>
-          </a:blip>
-          <a:srcRect r="537" b="208"/>
-          <a:stretch/>
-        </p:blipFill>
-        <p:spPr bwMode="auto">
-          <a:xfrm>
-            <a:off x="4853803" y="483110"/>
-            <a:ext cx="3094439" cy="5399406"/>
-          </a:xfrm>
-          <a:prstGeom prst="rect">
-            <a:avLst/>
-          </a:prstGeom>
-          <a:ln w="88900" cap="sq" cmpd="thickThin">
-            <a:solidFill>
-              <a:srgbClr val="000000"/>
-            </a:solidFill>
-            <a:prstDash val="solid"/>
-            <a:miter lim="800000"/>
-          </a:ln>
-          <a:effectLst>
-            <a:innerShdw blurRad="76200">
-              <a:srgbClr val="000000"/>
-            </a:innerShdw>
-          </a:effectLst>
-          <a:extLst>
-            <a:ext uri="{53640926-AAD7-44D8-BBD7-CCE9431645EC}">
-              <a14:shadowObscured xmlns:a14="http://schemas.microsoft.com/office/drawing/2010/main"/>
-            </a:ext>
-          </a:extLst>
-        </p:spPr>
-      </p:pic>
       <p:sp>
         <p:nvSpPr>
           <p:cNvPr id="8" name="ZoneTexte 7">
@@ -4950,6 +4541,13 @@
   <p:clrMapOvr>
     <a:masterClrMapping/>
   </p:clrMapOvr>
+  <p:timing>
+    <p:tnLst>
+      <p:par>
+        <p:cTn id="1" dur="indefinite" restart="never" nodeType="tmRoot"/>
+      </p:par>
+    </p:tnLst>
+  </p:timing>
 </p:sld>
 </file>
 
@@ -4981,48 +4579,6 @@
           <a:chExt cx="0" cy="0"/>
         </a:xfrm>
       </p:grpSpPr>
-      <p:pic>
-        <p:nvPicPr>
-          <p:cNvPr id="5" name="Image 4"/>
-          <p:cNvPicPr>
-            <a:picLocks noChangeAspect="1"/>
-          </p:cNvPicPr>
-          <p:nvPr/>
-        </p:nvPicPr>
-        <p:blipFill>
-          <a:blip r:embed="rId2">
-            <a:extLst>
-              <a:ext uri="{28A0092B-C50C-407E-A947-70E740481C1C}">
-                <a14:useLocalDpi xmlns:a14="http://schemas.microsoft.com/office/drawing/2010/main" val="0"/>
-              </a:ext>
-            </a:extLst>
-          </a:blip>
-          <a:stretch>
-            <a:fillRect/>
-          </a:stretch>
-        </p:blipFill>
-        <p:spPr>
-          <a:xfrm>
-            <a:off x="1155469" y="317298"/>
-            <a:ext cx="10502722" cy="5593975"/>
-          </a:xfrm>
-          <a:prstGeom prst="rect">
-            <a:avLst/>
-          </a:prstGeom>
-          <a:ln w="88900" cap="sq" cmpd="thickThin">
-            <a:solidFill>
-              <a:srgbClr val="000000"/>
-            </a:solidFill>
-            <a:prstDash val="solid"/>
-            <a:miter lim="800000"/>
-          </a:ln>
-          <a:effectLst>
-            <a:innerShdw blurRad="76200">
-              <a:srgbClr val="000000"/>
-            </a:innerShdw>
-          </a:effectLst>
-        </p:spPr>
-      </p:pic>
       <p:sp>
         <p:nvSpPr>
           <p:cNvPr id="6" name="ZoneTexte 5">
@@ -5069,6 +4625,13 @@
   <p:clrMapOvr>
     <a:masterClrMapping/>
   </p:clrMapOvr>
+  <p:timing>
+    <p:tnLst>
+      <p:par>
+        <p:cTn id="1" dur="indefinite" restart="never" nodeType="tmRoot"/>
+      </p:par>
+    </p:tnLst>
+  </p:timing>
 </p:sld>
 </file>
 
@@ -5100,42 +4663,6 @@
           <a:chExt cx="0" cy="0"/>
         </a:xfrm>
       </p:grpSpPr>
-      <p:pic>
-        <p:nvPicPr>
-          <p:cNvPr id="3" name="Image 2">
-            <a:extLst>
-              <a:ext uri="{FF2B5EF4-FFF2-40B4-BE49-F238E27FC236}">
-                <a16:creationId xmlns:a16="http://schemas.microsoft.com/office/drawing/2014/main" id="{CE7ABC55-85C7-41AF-B405-D466E97CC938}"/>
-              </a:ext>
-            </a:extLst>
-          </p:cNvPr>
-          <p:cNvPicPr>
-            <a:picLocks noChangeAspect="1"/>
-          </p:cNvPicPr>
-          <p:nvPr/>
-        </p:nvPicPr>
-        <p:blipFill>
-          <a:blip r:embed="rId2">
-            <a:extLst>
-              <a:ext uri="{28A0092B-C50C-407E-A947-70E740481C1C}">
-                <a14:useLocalDpi xmlns:a14="http://schemas.microsoft.com/office/drawing/2010/main" val="0"/>
-              </a:ext>
-            </a:extLst>
-          </a:blip>
-          <a:stretch>
-            <a:fillRect/>
-          </a:stretch>
-        </p:blipFill>
-        <p:spPr>
-          <a:xfrm>
-            <a:off x="4575128" y="331981"/>
-            <a:ext cx="6864739" cy="1771057"/>
-          </a:xfrm>
-          <a:prstGeom prst="rect">
-            <a:avLst/>
-          </a:prstGeom>
-        </p:spPr>
-      </p:pic>
       <p:sp>
         <p:nvSpPr>
           <p:cNvPr id="6" name="Espace réservé du pied de page 8">
@@ -5307,42 +4834,6 @@
           </a:p>
         </p:txBody>
       </p:sp>
-      <p:pic>
-        <p:nvPicPr>
-          <p:cNvPr id="8" name="Image 7">
-            <a:extLst>
-              <a:ext uri="{FF2B5EF4-FFF2-40B4-BE49-F238E27FC236}">
-                <a16:creationId xmlns:a16="http://schemas.microsoft.com/office/drawing/2014/main" id="{6883218E-7FB0-4C54-9F0C-187F0E6431FA}"/>
-              </a:ext>
-            </a:extLst>
-          </p:cNvPr>
-          <p:cNvPicPr>
-            <a:picLocks noChangeAspect="1"/>
-          </p:cNvPicPr>
-          <p:nvPr/>
-        </p:nvPicPr>
-        <p:blipFill>
-          <a:blip r:embed="rId3">
-            <a:extLst>
-              <a:ext uri="{28A0092B-C50C-407E-A947-70E740481C1C}">
-                <a14:useLocalDpi xmlns:a14="http://schemas.microsoft.com/office/drawing/2010/main" val="0"/>
-              </a:ext>
-            </a:extLst>
-          </a:blip>
-          <a:stretch>
-            <a:fillRect/>
-          </a:stretch>
-        </p:blipFill>
-        <p:spPr>
-          <a:xfrm>
-            <a:off x="4575128" y="2396900"/>
-            <a:ext cx="2427349" cy="1523836"/>
-          </a:xfrm>
-          <a:prstGeom prst="rect">
-            <a:avLst/>
-          </a:prstGeom>
-        </p:spPr>
-      </p:pic>
       <p:sp>
         <p:nvSpPr>
           <p:cNvPr id="9" name="Espace réservé du pied de page 8">
@@ -5476,78 +4967,6 @@
           </a:p>
         </p:txBody>
       </p:sp>
-      <p:pic>
-        <p:nvPicPr>
-          <p:cNvPr id="10" name="Image 9">
-            <a:extLst>
-              <a:ext uri="{FF2B5EF4-FFF2-40B4-BE49-F238E27FC236}">
-                <a16:creationId xmlns:a16="http://schemas.microsoft.com/office/drawing/2014/main" id="{3C023AB4-F8AB-4BBB-9415-C6DC6721E067}"/>
-              </a:ext>
-            </a:extLst>
-          </p:cNvPr>
-          <p:cNvPicPr>
-            <a:picLocks noChangeAspect="1"/>
-          </p:cNvPicPr>
-          <p:nvPr/>
-        </p:nvPicPr>
-        <p:blipFill>
-          <a:blip r:embed="rId4">
-            <a:extLst>
-              <a:ext uri="{28A0092B-C50C-407E-A947-70E740481C1C}">
-                <a14:useLocalDpi xmlns:a14="http://schemas.microsoft.com/office/drawing/2010/main" val="0"/>
-              </a:ext>
-            </a:extLst>
-          </a:blip>
-          <a:stretch>
-            <a:fillRect/>
-          </a:stretch>
-        </p:blipFill>
-        <p:spPr>
-          <a:xfrm>
-            <a:off x="9476050" y="2722998"/>
-            <a:ext cx="2276767" cy="871640"/>
-          </a:xfrm>
-          <a:prstGeom prst="rect">
-            <a:avLst/>
-          </a:prstGeom>
-        </p:spPr>
-      </p:pic>
-      <p:pic>
-        <p:nvPicPr>
-          <p:cNvPr id="12" name="Image 11">
-            <a:extLst>
-              <a:ext uri="{FF2B5EF4-FFF2-40B4-BE49-F238E27FC236}">
-                <a16:creationId xmlns:a16="http://schemas.microsoft.com/office/drawing/2014/main" id="{2C550BDD-4357-49A6-8D08-68B334012255}"/>
-              </a:ext>
-            </a:extLst>
-          </p:cNvPr>
-          <p:cNvPicPr>
-            <a:picLocks noChangeAspect="1"/>
-          </p:cNvPicPr>
-          <p:nvPr/>
-        </p:nvPicPr>
-        <p:blipFill>
-          <a:blip r:embed="rId5">
-            <a:extLst>
-              <a:ext uri="{28A0092B-C50C-407E-A947-70E740481C1C}">
-                <a14:useLocalDpi xmlns:a14="http://schemas.microsoft.com/office/drawing/2010/main" val="0"/>
-              </a:ext>
-            </a:extLst>
-          </a:blip>
-          <a:stretch>
-            <a:fillRect/>
-          </a:stretch>
-        </p:blipFill>
-        <p:spPr>
-          <a:xfrm>
-            <a:off x="4575128" y="4327943"/>
-            <a:ext cx="4404412" cy="1660903"/>
-          </a:xfrm>
-          <a:prstGeom prst="rect">
-            <a:avLst/>
-          </a:prstGeom>
-        </p:spPr>
-      </p:pic>
       <p:sp>
         <p:nvSpPr>
           <p:cNvPr id="13" name="Espace réservé du pied de page 8">
@@ -5727,6 +5146,13 @@
   <p:clrMapOvr>
     <a:masterClrMapping/>
   </p:clrMapOvr>
+  <p:timing>
+    <p:tnLst>
+      <p:par>
+        <p:cTn id="1" dur="indefinite" restart="never" nodeType="tmRoot"/>
+      </p:par>
+    </p:tnLst>
+  </p:timing>
 </p:sld>
 </file>
 
@@ -5798,42 +5224,6 @@
       </p:sp>
       <p:pic>
         <p:nvPicPr>
-          <p:cNvPr id="4" name="Image 3">
-            <a:extLst>
-              <a:ext uri="{FF2B5EF4-FFF2-40B4-BE49-F238E27FC236}">
-                <a16:creationId xmlns:a16="http://schemas.microsoft.com/office/drawing/2014/main" id="{5DDEB5DB-C77F-4181-882F-20C52BBC313F}"/>
-              </a:ext>
-            </a:extLst>
-          </p:cNvPr>
-          <p:cNvPicPr>
-            <a:picLocks noChangeAspect="1"/>
-          </p:cNvPicPr>
-          <p:nvPr/>
-        </p:nvPicPr>
-        <p:blipFill>
-          <a:blip r:embed="rId2">
-            <a:extLst>
-              <a:ext uri="{28A0092B-C50C-407E-A947-70E740481C1C}">
-                <a14:useLocalDpi xmlns:a14="http://schemas.microsoft.com/office/drawing/2010/main" val="0"/>
-              </a:ext>
-            </a:extLst>
-          </a:blip>
-          <a:stretch>
-            <a:fillRect/>
-          </a:stretch>
-        </p:blipFill>
-        <p:spPr>
-          <a:xfrm>
-            <a:off x="765952" y="3177376"/>
-            <a:ext cx="3071475" cy="3071475"/>
-          </a:xfrm>
-          <a:prstGeom prst="rect">
-            <a:avLst/>
-          </a:prstGeom>
-        </p:spPr>
-      </p:pic>
-      <p:pic>
-        <p:nvPicPr>
           <p:cNvPr id="7" name="Image 6">
             <a:extLst>
               <a:ext uri="{FF2B5EF4-FFF2-40B4-BE49-F238E27FC236}">
@@ -5847,7 +5237,7 @@
           <p:nvPr/>
         </p:nvPicPr>
         <p:blipFill>
-          <a:blip r:embed="rId3" cstate="print">
+          <a:blip r:embed="rId2" cstate="print">
             <a:extLst>
               <a:ext uri="{28A0092B-C50C-407E-A947-70E740481C1C}">
                 <a14:useLocalDpi xmlns:a14="http://schemas.microsoft.com/office/drawing/2010/main" val="0"/>
@@ -5868,1210 +5258,6 @@
           </a:prstGeom>
         </p:spPr>
       </p:pic>
-      <p:graphicFrame>
-        <p:nvGraphicFramePr>
-          <p:cNvPr id="9" name="Tableau 8">
-            <a:extLst>
-              <a:ext uri="{FF2B5EF4-FFF2-40B4-BE49-F238E27FC236}">
-                <a16:creationId xmlns:a16="http://schemas.microsoft.com/office/drawing/2014/main" id="{954A0BC7-0096-4D8D-B45A-01E1499A4075}"/>
-              </a:ext>
-            </a:extLst>
-          </p:cNvPr>
-          <p:cNvGraphicFramePr>
-            <a:graphicFrameLocks noGrp="1"/>
-          </p:cNvGraphicFramePr>
-          <p:nvPr>
-            <p:extLst>
-              <p:ext uri="{D42A27DB-BD31-4B8C-83A1-F6EECF244321}">
-                <p14:modId xmlns:p14="http://schemas.microsoft.com/office/powerpoint/2010/main" val="1057040443"/>
-              </p:ext>
-            </p:extLst>
-          </p:nvPr>
-        </p:nvGraphicFramePr>
-        <p:xfrm>
-          <a:off x="3175000" y="3703464"/>
-          <a:ext cx="4718050" cy="2019298"/>
-        </p:xfrm>
-        <a:graphic>
-          <a:graphicData uri="http://schemas.openxmlformats.org/drawingml/2006/table">
-            <a:tbl>
-              <a:tblPr firstRow="1" firstCol="1" bandRow="1"/>
-              <a:tblGrid>
-                <a:gridCol w="2527005">
-                  <a:extLst>
-                    <a:ext uri="{9D8B030D-6E8A-4147-A177-3AD203B41FA5}">
-                      <a16:colId xmlns:a16="http://schemas.microsoft.com/office/drawing/2014/main" val="1334404690"/>
-                    </a:ext>
-                  </a:extLst>
-                </a:gridCol>
-                <a:gridCol w="2191045">
-                  <a:extLst>
-                    <a:ext uri="{9D8B030D-6E8A-4147-A177-3AD203B41FA5}">
-                      <a16:colId xmlns:a16="http://schemas.microsoft.com/office/drawing/2014/main" val="2626423317"/>
-                    </a:ext>
-                  </a:extLst>
-                </a:gridCol>
-              </a:tblGrid>
-              <a:tr h="258520">
-                <a:tc>
-                  <a:txBody>
-                    <a:bodyPr/>
-                    <a:lstStyle/>
-                    <a:p>
-                      <a:pPr algn="l"/>
-                      <a:r>
-                        <a:rPr lang="fr-CH" sz="1100" dirty="0">
-                          <a:solidFill>
-                            <a:srgbClr val="000000"/>
-                          </a:solidFill>
-                          <a:effectLst/>
-                          <a:latin typeface="Calibri" panose="020F0502020204030204" pitchFamily="34" charset="0"/>
-                          <a:ea typeface="Times New Roman" panose="02020603050405020304" pitchFamily="18" charset="0"/>
-                          <a:cs typeface="Times New Roman" panose="02020603050405020304" pitchFamily="18" charset="0"/>
-                        </a:rPr>
-                        <a:t>Application fonctionnelle</a:t>
-                      </a:r>
-                      <a:endParaRPr lang="fr-CH" sz="1000" dirty="0">
-                        <a:effectLst/>
-                        <a:latin typeface="Century Gothic" panose="020B0502020202020204" pitchFamily="34" charset="0"/>
-                        <a:ea typeface="Times New Roman" panose="02020603050405020304" pitchFamily="18" charset="0"/>
-                        <a:cs typeface="Times New Roman" panose="02020603050405020304" pitchFamily="18" charset="0"/>
-                      </a:endParaRPr>
-                    </a:p>
-                  </a:txBody>
-                  <a:tcPr marL="44450" marR="44450" marT="0" marB="0" anchor="b">
-                    <a:lnL w="12700" cap="flat" cmpd="sng" algn="ctr">
-                      <a:solidFill>
-                        <a:srgbClr val="000000"/>
-                      </a:solidFill>
-                      <a:prstDash val="solid"/>
-                      <a:round/>
-                      <a:headEnd type="none" w="med" len="med"/>
-                      <a:tailEnd type="none" w="med" len="med"/>
-                    </a:lnL>
-                    <a:lnR w="12700" cap="flat" cmpd="sng" algn="ctr">
-                      <a:solidFill>
-                        <a:srgbClr val="000000"/>
-                      </a:solidFill>
-                      <a:prstDash val="solid"/>
-                      <a:round/>
-                      <a:headEnd type="none" w="med" len="med"/>
-                      <a:tailEnd type="none" w="med" len="med"/>
-                    </a:lnR>
-                    <a:lnT w="12700" cap="flat" cmpd="sng" algn="ctr">
-                      <a:solidFill>
-                        <a:srgbClr val="000000"/>
-                      </a:solidFill>
-                      <a:prstDash val="solid"/>
-                      <a:round/>
-                      <a:headEnd type="none" w="med" len="med"/>
-                      <a:tailEnd type="none" w="med" len="med"/>
-                    </a:lnT>
-                    <a:lnB w="12700" cap="flat" cmpd="sng" algn="ctr">
-                      <a:solidFill>
-                        <a:srgbClr val="000000"/>
-                      </a:solidFill>
-                      <a:prstDash val="solid"/>
-                      <a:round/>
-                      <a:headEnd type="none" w="med" len="med"/>
-                      <a:tailEnd type="none" w="med" len="med"/>
-                    </a:lnB>
-                    <a:solidFill>
-                      <a:srgbClr val="EDEDED"/>
-                    </a:solidFill>
-                  </a:tcPr>
-                </a:tc>
-                <a:tc>
-                  <a:txBody>
-                    <a:bodyPr/>
-                    <a:lstStyle/>
-                    <a:p>
-                      <a:pPr algn="ctr"/>
-                      <a:r>
-                        <a:rPr lang="fr-CH" sz="1100">
-                          <a:solidFill>
-                            <a:srgbClr val="006100"/>
-                          </a:solidFill>
-                          <a:effectLst/>
-                          <a:latin typeface="Calibri" panose="020F0502020204030204" pitchFamily="34" charset="0"/>
-                          <a:ea typeface="Times New Roman" panose="02020603050405020304" pitchFamily="18" charset="0"/>
-                          <a:cs typeface="Times New Roman" panose="02020603050405020304" pitchFamily="18" charset="0"/>
-                        </a:rPr>
-                        <a:t>Fait</a:t>
-                      </a:r>
-                      <a:endParaRPr lang="fr-CH" sz="1000">
-                        <a:effectLst/>
-                        <a:latin typeface="Century Gothic" panose="020B0502020202020204" pitchFamily="34" charset="0"/>
-                        <a:ea typeface="Times New Roman" panose="02020603050405020304" pitchFamily="18" charset="0"/>
-                        <a:cs typeface="Times New Roman" panose="02020603050405020304" pitchFamily="18" charset="0"/>
-                      </a:endParaRPr>
-                    </a:p>
-                  </a:txBody>
-                  <a:tcPr marL="44450" marR="44450" marT="0" marB="0" anchor="b">
-                    <a:lnL w="12700" cap="flat" cmpd="sng" algn="ctr">
-                      <a:solidFill>
-                        <a:srgbClr val="000000"/>
-                      </a:solidFill>
-                      <a:prstDash val="solid"/>
-                      <a:round/>
-                      <a:headEnd type="none" w="med" len="med"/>
-                      <a:tailEnd type="none" w="med" len="med"/>
-                    </a:lnL>
-                    <a:lnR w="12700" cap="flat" cmpd="sng" algn="ctr">
-                      <a:solidFill>
-                        <a:srgbClr val="000000"/>
-                      </a:solidFill>
-                      <a:prstDash val="solid"/>
-                      <a:round/>
-                      <a:headEnd type="none" w="med" len="med"/>
-                      <a:tailEnd type="none" w="med" len="med"/>
-                    </a:lnR>
-                    <a:lnT w="12700" cap="flat" cmpd="sng" algn="ctr">
-                      <a:solidFill>
-                        <a:srgbClr val="000000"/>
-                      </a:solidFill>
-                      <a:prstDash val="solid"/>
-                      <a:round/>
-                      <a:headEnd type="none" w="med" len="med"/>
-                      <a:tailEnd type="none" w="med" len="med"/>
-                    </a:lnT>
-                    <a:lnB w="12700" cap="flat" cmpd="sng" algn="ctr">
-                      <a:solidFill>
-                        <a:srgbClr val="000000"/>
-                      </a:solidFill>
-                      <a:prstDash val="solid"/>
-                      <a:round/>
-                      <a:headEnd type="none" w="med" len="med"/>
-                      <a:tailEnd type="none" w="med" len="med"/>
-                    </a:lnB>
-                    <a:solidFill>
-                      <a:srgbClr val="C6EFCE"/>
-                    </a:solidFill>
-                  </a:tcPr>
-                </a:tc>
-                <a:extLst>
-                  <a:ext uri="{0D108BD9-81ED-4DB2-BD59-A6C34878D82A}">
-                    <a16:rowId xmlns:a16="http://schemas.microsoft.com/office/drawing/2014/main" val="2394996153"/>
-                  </a:ext>
-                </a:extLst>
-              </a:tr>
-              <a:tr h="258520">
-                <a:tc>
-                  <a:txBody>
-                    <a:bodyPr/>
-                    <a:lstStyle/>
-                    <a:p>
-                      <a:pPr algn="l"/>
-                      <a:r>
-                        <a:rPr lang="fr-CH" sz="1100">
-                          <a:solidFill>
-                            <a:srgbClr val="000000"/>
-                          </a:solidFill>
-                          <a:effectLst/>
-                          <a:latin typeface="Calibri" panose="020F0502020204030204" pitchFamily="34" charset="0"/>
-                          <a:ea typeface="Times New Roman" panose="02020603050405020304" pitchFamily="18" charset="0"/>
-                          <a:cs typeface="Times New Roman" panose="02020603050405020304" pitchFamily="18" charset="0"/>
-                        </a:rPr>
-                        <a:t>Connexion avec la base de données</a:t>
-                      </a:r>
-                      <a:endParaRPr lang="fr-CH" sz="1000">
-                        <a:effectLst/>
-                        <a:latin typeface="Century Gothic" panose="020B0502020202020204" pitchFamily="34" charset="0"/>
-                        <a:ea typeface="Times New Roman" panose="02020603050405020304" pitchFamily="18" charset="0"/>
-                        <a:cs typeface="Times New Roman" panose="02020603050405020304" pitchFamily="18" charset="0"/>
-                      </a:endParaRPr>
-                    </a:p>
-                  </a:txBody>
-                  <a:tcPr marL="44450" marR="44450" marT="0" marB="0" anchor="b">
-                    <a:lnL w="12700" cap="flat" cmpd="sng" algn="ctr">
-                      <a:solidFill>
-                        <a:srgbClr val="000000"/>
-                      </a:solidFill>
-                      <a:prstDash val="solid"/>
-                      <a:round/>
-                      <a:headEnd type="none" w="med" len="med"/>
-                      <a:tailEnd type="none" w="med" len="med"/>
-                    </a:lnL>
-                    <a:lnR w="12700" cap="flat" cmpd="sng" algn="ctr">
-                      <a:solidFill>
-                        <a:srgbClr val="000000"/>
-                      </a:solidFill>
-                      <a:prstDash val="solid"/>
-                      <a:round/>
-                      <a:headEnd type="none" w="med" len="med"/>
-                      <a:tailEnd type="none" w="med" len="med"/>
-                    </a:lnR>
-                    <a:lnT w="12700" cap="flat" cmpd="sng" algn="ctr">
-                      <a:solidFill>
-                        <a:srgbClr val="000000"/>
-                      </a:solidFill>
-                      <a:prstDash val="solid"/>
-                      <a:round/>
-                      <a:headEnd type="none" w="med" len="med"/>
-                      <a:tailEnd type="none" w="med" len="med"/>
-                    </a:lnT>
-                    <a:lnB w="12700" cap="flat" cmpd="sng" algn="ctr">
-                      <a:solidFill>
-                        <a:srgbClr val="000000"/>
-                      </a:solidFill>
-                      <a:prstDash val="solid"/>
-                      <a:round/>
-                      <a:headEnd type="none" w="med" len="med"/>
-                      <a:tailEnd type="none" w="med" len="med"/>
-                    </a:lnB>
-                    <a:solidFill>
-                      <a:srgbClr val="EDEDED"/>
-                    </a:solidFill>
-                  </a:tcPr>
-                </a:tc>
-                <a:tc>
-                  <a:txBody>
-                    <a:bodyPr/>
-                    <a:lstStyle/>
-                    <a:p>
-                      <a:pPr algn="ctr"/>
-                      <a:r>
-                        <a:rPr lang="fr-CH" sz="1100">
-                          <a:solidFill>
-                            <a:srgbClr val="006100"/>
-                          </a:solidFill>
-                          <a:effectLst/>
-                          <a:latin typeface="Calibri" panose="020F0502020204030204" pitchFamily="34" charset="0"/>
-                          <a:ea typeface="Times New Roman" panose="02020603050405020304" pitchFamily="18" charset="0"/>
-                          <a:cs typeface="Times New Roman" panose="02020603050405020304" pitchFamily="18" charset="0"/>
-                        </a:rPr>
-                        <a:t>Fait</a:t>
-                      </a:r>
-                      <a:endParaRPr lang="fr-CH" sz="1000">
-                        <a:effectLst/>
-                        <a:latin typeface="Century Gothic" panose="020B0502020202020204" pitchFamily="34" charset="0"/>
-                        <a:ea typeface="Times New Roman" panose="02020603050405020304" pitchFamily="18" charset="0"/>
-                        <a:cs typeface="Times New Roman" panose="02020603050405020304" pitchFamily="18" charset="0"/>
-                      </a:endParaRPr>
-                    </a:p>
-                  </a:txBody>
-                  <a:tcPr marL="44450" marR="44450" marT="0" marB="0" anchor="b">
-                    <a:lnL w="12700" cap="flat" cmpd="sng" algn="ctr">
-                      <a:solidFill>
-                        <a:srgbClr val="000000"/>
-                      </a:solidFill>
-                      <a:prstDash val="solid"/>
-                      <a:round/>
-                      <a:headEnd type="none" w="med" len="med"/>
-                      <a:tailEnd type="none" w="med" len="med"/>
-                    </a:lnL>
-                    <a:lnR w="12700" cap="flat" cmpd="sng" algn="ctr">
-                      <a:solidFill>
-                        <a:srgbClr val="000000"/>
-                      </a:solidFill>
-                      <a:prstDash val="solid"/>
-                      <a:round/>
-                      <a:headEnd type="none" w="med" len="med"/>
-                      <a:tailEnd type="none" w="med" len="med"/>
-                    </a:lnR>
-                    <a:lnT w="12700" cap="flat" cmpd="sng" algn="ctr">
-                      <a:solidFill>
-                        <a:srgbClr val="000000"/>
-                      </a:solidFill>
-                      <a:prstDash val="solid"/>
-                      <a:round/>
-                      <a:headEnd type="none" w="med" len="med"/>
-                      <a:tailEnd type="none" w="med" len="med"/>
-                    </a:lnT>
-                    <a:lnB w="12700" cap="flat" cmpd="sng" algn="ctr">
-                      <a:solidFill>
-                        <a:srgbClr val="000000"/>
-                      </a:solidFill>
-                      <a:prstDash val="solid"/>
-                      <a:round/>
-                      <a:headEnd type="none" w="med" len="med"/>
-                      <a:tailEnd type="none" w="med" len="med"/>
-                    </a:lnB>
-                    <a:solidFill>
-                      <a:srgbClr val="C6EFCE"/>
-                    </a:solidFill>
-                  </a:tcPr>
-                </a:tc>
-                <a:extLst>
-                  <a:ext uri="{0D108BD9-81ED-4DB2-BD59-A6C34878D82A}">
-                    <a16:rowId xmlns:a16="http://schemas.microsoft.com/office/drawing/2014/main" val="332791045"/>
-                  </a:ext>
-                </a:extLst>
-              </a:tr>
-              <a:tr h="258520">
-                <a:tc>
-                  <a:txBody>
-                    <a:bodyPr/>
-                    <a:lstStyle/>
-                    <a:p>
-                      <a:pPr algn="l"/>
-                      <a:r>
-                        <a:rPr lang="fr-CH" sz="1100" dirty="0">
-                          <a:solidFill>
-                            <a:srgbClr val="000000"/>
-                          </a:solidFill>
-                          <a:effectLst/>
-                          <a:latin typeface="Calibri" panose="020F0502020204030204" pitchFamily="34" charset="0"/>
-                          <a:ea typeface="Times New Roman" panose="02020603050405020304" pitchFamily="18" charset="0"/>
-                          <a:cs typeface="Times New Roman" panose="02020603050405020304" pitchFamily="18" charset="0"/>
-                        </a:rPr>
-                        <a:t>Emprunt d'objet</a:t>
-                      </a:r>
-                      <a:endParaRPr lang="fr-CH" sz="1000" dirty="0">
-                        <a:effectLst/>
-                        <a:latin typeface="Century Gothic" panose="020B0502020202020204" pitchFamily="34" charset="0"/>
-                        <a:ea typeface="Times New Roman" panose="02020603050405020304" pitchFamily="18" charset="0"/>
-                        <a:cs typeface="Times New Roman" panose="02020603050405020304" pitchFamily="18" charset="0"/>
-                      </a:endParaRPr>
-                    </a:p>
-                  </a:txBody>
-                  <a:tcPr marL="44450" marR="44450" marT="0" marB="0" anchor="b">
-                    <a:lnL w="12700" cap="flat" cmpd="sng" algn="ctr">
-                      <a:solidFill>
-                        <a:srgbClr val="000000"/>
-                      </a:solidFill>
-                      <a:prstDash val="solid"/>
-                      <a:round/>
-                      <a:headEnd type="none" w="med" len="med"/>
-                      <a:tailEnd type="none" w="med" len="med"/>
-                    </a:lnL>
-                    <a:lnR w="12700" cap="flat" cmpd="sng" algn="ctr">
-                      <a:solidFill>
-                        <a:srgbClr val="000000"/>
-                      </a:solidFill>
-                      <a:prstDash val="solid"/>
-                      <a:round/>
-                      <a:headEnd type="none" w="med" len="med"/>
-                      <a:tailEnd type="none" w="med" len="med"/>
-                    </a:lnR>
-                    <a:lnT w="12700" cap="flat" cmpd="sng" algn="ctr">
-                      <a:solidFill>
-                        <a:srgbClr val="000000"/>
-                      </a:solidFill>
-                      <a:prstDash val="solid"/>
-                      <a:round/>
-                      <a:headEnd type="none" w="med" len="med"/>
-                      <a:tailEnd type="none" w="med" len="med"/>
-                    </a:lnT>
-                    <a:lnB w="12700" cap="flat" cmpd="sng" algn="ctr">
-                      <a:solidFill>
-                        <a:srgbClr val="000000"/>
-                      </a:solidFill>
-                      <a:prstDash val="solid"/>
-                      <a:round/>
-                      <a:headEnd type="none" w="med" len="med"/>
-                      <a:tailEnd type="none" w="med" len="med"/>
-                    </a:lnB>
-                    <a:solidFill>
-                      <a:srgbClr val="EDEDED"/>
-                    </a:solidFill>
-                  </a:tcPr>
-                </a:tc>
-                <a:tc>
-                  <a:txBody>
-                    <a:bodyPr/>
-                    <a:lstStyle/>
-                    <a:p>
-                      <a:pPr algn="ctr"/>
-                      <a:r>
-                        <a:rPr lang="fr-CH" sz="1100">
-                          <a:solidFill>
-                            <a:srgbClr val="006100"/>
-                          </a:solidFill>
-                          <a:effectLst/>
-                          <a:latin typeface="Calibri" panose="020F0502020204030204" pitchFamily="34" charset="0"/>
-                          <a:ea typeface="Times New Roman" panose="02020603050405020304" pitchFamily="18" charset="0"/>
-                          <a:cs typeface="Times New Roman" panose="02020603050405020304" pitchFamily="18" charset="0"/>
-                        </a:rPr>
-                        <a:t>Fait</a:t>
-                      </a:r>
-                      <a:endParaRPr lang="fr-CH" sz="1000">
-                        <a:effectLst/>
-                        <a:latin typeface="Century Gothic" panose="020B0502020202020204" pitchFamily="34" charset="0"/>
-                        <a:ea typeface="Times New Roman" panose="02020603050405020304" pitchFamily="18" charset="0"/>
-                        <a:cs typeface="Times New Roman" panose="02020603050405020304" pitchFamily="18" charset="0"/>
-                      </a:endParaRPr>
-                    </a:p>
-                  </a:txBody>
-                  <a:tcPr marL="44450" marR="44450" marT="0" marB="0" anchor="b">
-                    <a:lnL w="12700" cap="flat" cmpd="sng" algn="ctr">
-                      <a:solidFill>
-                        <a:srgbClr val="000000"/>
-                      </a:solidFill>
-                      <a:prstDash val="solid"/>
-                      <a:round/>
-                      <a:headEnd type="none" w="med" len="med"/>
-                      <a:tailEnd type="none" w="med" len="med"/>
-                    </a:lnL>
-                    <a:lnR w="12700" cap="flat" cmpd="sng" algn="ctr">
-                      <a:solidFill>
-                        <a:srgbClr val="000000"/>
-                      </a:solidFill>
-                      <a:prstDash val="solid"/>
-                      <a:round/>
-                      <a:headEnd type="none" w="med" len="med"/>
-                      <a:tailEnd type="none" w="med" len="med"/>
-                    </a:lnR>
-                    <a:lnT w="12700" cap="flat" cmpd="sng" algn="ctr">
-                      <a:solidFill>
-                        <a:srgbClr val="000000"/>
-                      </a:solidFill>
-                      <a:prstDash val="solid"/>
-                      <a:round/>
-                      <a:headEnd type="none" w="med" len="med"/>
-                      <a:tailEnd type="none" w="med" len="med"/>
-                    </a:lnT>
-                    <a:lnB w="12700" cap="flat" cmpd="sng" algn="ctr">
-                      <a:solidFill>
-                        <a:srgbClr val="000000"/>
-                      </a:solidFill>
-                      <a:prstDash val="solid"/>
-                      <a:round/>
-                      <a:headEnd type="none" w="med" len="med"/>
-                      <a:tailEnd type="none" w="med" len="med"/>
-                    </a:lnB>
-                    <a:solidFill>
-                      <a:srgbClr val="C6EFCE"/>
-                    </a:solidFill>
-                  </a:tcPr>
-                </a:tc>
-                <a:extLst>
-                  <a:ext uri="{0D108BD9-81ED-4DB2-BD59-A6C34878D82A}">
-                    <a16:rowId xmlns:a16="http://schemas.microsoft.com/office/drawing/2014/main" val="1937622043"/>
-                  </a:ext>
-                </a:extLst>
-              </a:tr>
-              <a:tr h="240055">
-                <a:tc>
-                  <a:txBody>
-                    <a:bodyPr/>
-                    <a:lstStyle/>
-                    <a:p>
-                      <a:pPr algn="l"/>
-                      <a:r>
-                        <a:rPr lang="fr-CH" sz="1100" dirty="0">
-                          <a:solidFill>
-                            <a:srgbClr val="000000"/>
-                          </a:solidFill>
-                          <a:effectLst/>
-                          <a:latin typeface="Calibri" panose="020F0502020204030204" pitchFamily="34" charset="0"/>
-                          <a:ea typeface="Times New Roman" panose="02020603050405020304" pitchFamily="18" charset="0"/>
-                          <a:cs typeface="Times New Roman" panose="02020603050405020304" pitchFamily="18" charset="0"/>
-                        </a:rPr>
-                        <a:t>Retour d'objet</a:t>
-                      </a:r>
-                      <a:endParaRPr lang="fr-CH" sz="1000" dirty="0">
-                        <a:effectLst/>
-                        <a:latin typeface="Century Gothic" panose="020B0502020202020204" pitchFamily="34" charset="0"/>
-                        <a:ea typeface="Times New Roman" panose="02020603050405020304" pitchFamily="18" charset="0"/>
-                        <a:cs typeface="Times New Roman" panose="02020603050405020304" pitchFamily="18" charset="0"/>
-                      </a:endParaRPr>
-                    </a:p>
-                  </a:txBody>
-                  <a:tcPr marL="44450" marR="44450" marT="0" marB="0" anchor="b">
-                    <a:lnL w="12700" cap="flat" cmpd="sng" algn="ctr">
-                      <a:solidFill>
-                        <a:srgbClr val="000000"/>
-                      </a:solidFill>
-                      <a:prstDash val="solid"/>
-                      <a:round/>
-                      <a:headEnd type="none" w="med" len="med"/>
-                      <a:tailEnd type="none" w="med" len="med"/>
-                    </a:lnL>
-                    <a:lnR w="12700" cap="flat" cmpd="sng" algn="ctr">
-                      <a:solidFill>
-                        <a:srgbClr val="000000"/>
-                      </a:solidFill>
-                      <a:prstDash val="solid"/>
-                      <a:round/>
-                      <a:headEnd type="none" w="med" len="med"/>
-                      <a:tailEnd type="none" w="med" len="med"/>
-                    </a:lnR>
-                    <a:lnT w="12700" cap="flat" cmpd="sng" algn="ctr">
-                      <a:solidFill>
-                        <a:srgbClr val="000000"/>
-                      </a:solidFill>
-                      <a:prstDash val="solid"/>
-                      <a:round/>
-                      <a:headEnd type="none" w="med" len="med"/>
-                      <a:tailEnd type="none" w="med" len="med"/>
-                    </a:lnT>
-                    <a:lnB w="12700" cap="flat" cmpd="sng" algn="ctr">
-                      <a:solidFill>
-                        <a:srgbClr val="000000"/>
-                      </a:solidFill>
-                      <a:prstDash val="solid"/>
-                      <a:round/>
-                      <a:headEnd type="none" w="med" len="med"/>
-                      <a:tailEnd type="none" w="med" len="med"/>
-                    </a:lnB>
-                    <a:solidFill>
-                      <a:srgbClr val="EDEDED"/>
-                    </a:solidFill>
-                  </a:tcPr>
-                </a:tc>
-                <a:tc>
-                  <a:txBody>
-                    <a:bodyPr/>
-                    <a:lstStyle/>
-                    <a:p>
-                      <a:pPr algn="ctr"/>
-                      <a:r>
-                        <a:rPr lang="fr-CH" sz="1100">
-                          <a:solidFill>
-                            <a:srgbClr val="984806"/>
-                          </a:solidFill>
-                          <a:effectLst/>
-                          <a:latin typeface="Calibri" panose="020F0502020204030204" pitchFamily="34" charset="0"/>
-                          <a:ea typeface="Times New Roman" panose="02020603050405020304" pitchFamily="18" charset="0"/>
-                          <a:cs typeface="Times New Roman" panose="02020603050405020304" pitchFamily="18" charset="0"/>
-                        </a:rPr>
-                        <a:t>Partiellement Fait</a:t>
-                      </a:r>
-                      <a:endParaRPr lang="fr-CH" sz="1000">
-                        <a:effectLst/>
-                        <a:latin typeface="Century Gothic" panose="020B0502020202020204" pitchFamily="34" charset="0"/>
-                        <a:ea typeface="Times New Roman" panose="02020603050405020304" pitchFamily="18" charset="0"/>
-                        <a:cs typeface="Times New Roman" panose="02020603050405020304" pitchFamily="18" charset="0"/>
-                      </a:endParaRPr>
-                    </a:p>
-                  </a:txBody>
-                  <a:tcPr marL="44450" marR="44450" marT="0" marB="0" anchor="b">
-                    <a:lnL w="12700" cap="flat" cmpd="sng" algn="ctr">
-                      <a:solidFill>
-                        <a:srgbClr val="000000"/>
-                      </a:solidFill>
-                      <a:prstDash val="solid"/>
-                      <a:round/>
-                      <a:headEnd type="none" w="med" len="med"/>
-                      <a:tailEnd type="none" w="med" len="med"/>
-                    </a:lnL>
-                    <a:lnR w="12700" cap="flat" cmpd="sng" algn="ctr">
-                      <a:solidFill>
-                        <a:srgbClr val="000000"/>
-                      </a:solidFill>
-                      <a:prstDash val="solid"/>
-                      <a:round/>
-                      <a:headEnd type="none" w="med" len="med"/>
-                      <a:tailEnd type="none" w="med" len="med"/>
-                    </a:lnR>
-                    <a:lnT w="12700" cap="flat" cmpd="sng" algn="ctr">
-                      <a:solidFill>
-                        <a:srgbClr val="000000"/>
-                      </a:solidFill>
-                      <a:prstDash val="solid"/>
-                      <a:round/>
-                      <a:headEnd type="none" w="med" len="med"/>
-                      <a:tailEnd type="none" w="med" len="med"/>
-                    </a:lnT>
-                    <a:lnB w="12700" cap="flat" cmpd="sng" algn="ctr">
-                      <a:solidFill>
-                        <a:srgbClr val="000000"/>
-                      </a:solidFill>
-                      <a:prstDash val="solid"/>
-                      <a:round/>
-                      <a:headEnd type="none" w="med" len="med"/>
-                      <a:tailEnd type="none" w="med" len="med"/>
-                    </a:lnB>
-                    <a:solidFill>
-                      <a:srgbClr val="FFEB9C"/>
-                    </a:solidFill>
-                  </a:tcPr>
-                </a:tc>
-                <a:extLst>
-                  <a:ext uri="{0D108BD9-81ED-4DB2-BD59-A6C34878D82A}">
-                    <a16:rowId xmlns:a16="http://schemas.microsoft.com/office/drawing/2014/main" val="2322432390"/>
-                  </a:ext>
-                </a:extLst>
-              </a:tr>
-              <a:tr h="258520">
-                <a:tc>
-                  <a:txBody>
-                    <a:bodyPr/>
-                    <a:lstStyle/>
-                    <a:p>
-                      <a:pPr algn="l"/>
-                      <a:r>
-                        <a:rPr lang="fr-CH" sz="1100">
-                          <a:solidFill>
-                            <a:srgbClr val="000000"/>
-                          </a:solidFill>
-                          <a:effectLst/>
-                          <a:latin typeface="Calibri" panose="020F0502020204030204" pitchFamily="34" charset="0"/>
-                          <a:ea typeface="Times New Roman" panose="02020603050405020304" pitchFamily="18" charset="0"/>
-                          <a:cs typeface="Times New Roman" panose="02020603050405020304" pitchFamily="18" charset="0"/>
-                        </a:rPr>
-                        <a:t>Catalogue complet</a:t>
-                      </a:r>
-                      <a:endParaRPr lang="fr-CH" sz="1000">
-                        <a:effectLst/>
-                        <a:latin typeface="Century Gothic" panose="020B0502020202020204" pitchFamily="34" charset="0"/>
-                        <a:ea typeface="Times New Roman" panose="02020603050405020304" pitchFamily="18" charset="0"/>
-                        <a:cs typeface="Times New Roman" panose="02020603050405020304" pitchFamily="18" charset="0"/>
-                      </a:endParaRPr>
-                    </a:p>
-                  </a:txBody>
-                  <a:tcPr marL="44450" marR="44450" marT="0" marB="0" anchor="b">
-                    <a:lnL w="12700" cap="flat" cmpd="sng" algn="ctr">
-                      <a:solidFill>
-                        <a:srgbClr val="000000"/>
-                      </a:solidFill>
-                      <a:prstDash val="solid"/>
-                      <a:round/>
-                      <a:headEnd type="none" w="med" len="med"/>
-                      <a:tailEnd type="none" w="med" len="med"/>
-                    </a:lnL>
-                    <a:lnR w="12700" cap="flat" cmpd="sng" algn="ctr">
-                      <a:solidFill>
-                        <a:srgbClr val="000000"/>
-                      </a:solidFill>
-                      <a:prstDash val="solid"/>
-                      <a:round/>
-                      <a:headEnd type="none" w="med" len="med"/>
-                      <a:tailEnd type="none" w="med" len="med"/>
-                    </a:lnR>
-                    <a:lnT w="12700" cap="flat" cmpd="sng" algn="ctr">
-                      <a:solidFill>
-                        <a:srgbClr val="000000"/>
-                      </a:solidFill>
-                      <a:prstDash val="solid"/>
-                      <a:round/>
-                      <a:headEnd type="none" w="med" len="med"/>
-                      <a:tailEnd type="none" w="med" len="med"/>
-                    </a:lnT>
-                    <a:lnB w="12700" cap="flat" cmpd="sng" algn="ctr">
-                      <a:solidFill>
-                        <a:srgbClr val="000000"/>
-                      </a:solidFill>
-                      <a:prstDash val="solid"/>
-                      <a:round/>
-                      <a:headEnd type="none" w="med" len="med"/>
-                      <a:tailEnd type="none" w="med" len="med"/>
-                    </a:lnB>
-                    <a:solidFill>
-                      <a:srgbClr val="EDEDED"/>
-                    </a:solidFill>
-                  </a:tcPr>
-                </a:tc>
-                <a:tc>
-                  <a:txBody>
-                    <a:bodyPr/>
-                    <a:lstStyle/>
-                    <a:p>
-                      <a:pPr algn="ctr"/>
-                      <a:r>
-                        <a:rPr lang="fr-CH" sz="1100">
-                          <a:solidFill>
-                            <a:srgbClr val="006100"/>
-                          </a:solidFill>
-                          <a:effectLst/>
-                          <a:latin typeface="Calibri" panose="020F0502020204030204" pitchFamily="34" charset="0"/>
-                          <a:ea typeface="Times New Roman" panose="02020603050405020304" pitchFamily="18" charset="0"/>
-                          <a:cs typeface="Times New Roman" panose="02020603050405020304" pitchFamily="18" charset="0"/>
-                        </a:rPr>
-                        <a:t>Fait</a:t>
-                      </a:r>
-                      <a:endParaRPr lang="fr-CH" sz="1000">
-                        <a:effectLst/>
-                        <a:latin typeface="Century Gothic" panose="020B0502020202020204" pitchFamily="34" charset="0"/>
-                        <a:ea typeface="Times New Roman" panose="02020603050405020304" pitchFamily="18" charset="0"/>
-                        <a:cs typeface="Times New Roman" panose="02020603050405020304" pitchFamily="18" charset="0"/>
-                      </a:endParaRPr>
-                    </a:p>
-                  </a:txBody>
-                  <a:tcPr marL="44450" marR="44450" marT="0" marB="0" anchor="b">
-                    <a:lnL w="12700" cap="flat" cmpd="sng" algn="ctr">
-                      <a:solidFill>
-                        <a:srgbClr val="000000"/>
-                      </a:solidFill>
-                      <a:prstDash val="solid"/>
-                      <a:round/>
-                      <a:headEnd type="none" w="med" len="med"/>
-                      <a:tailEnd type="none" w="med" len="med"/>
-                    </a:lnL>
-                    <a:lnR w="12700" cap="flat" cmpd="sng" algn="ctr">
-                      <a:solidFill>
-                        <a:srgbClr val="000000"/>
-                      </a:solidFill>
-                      <a:prstDash val="solid"/>
-                      <a:round/>
-                      <a:headEnd type="none" w="med" len="med"/>
-                      <a:tailEnd type="none" w="med" len="med"/>
-                    </a:lnR>
-                    <a:lnT w="12700" cap="flat" cmpd="sng" algn="ctr">
-                      <a:solidFill>
-                        <a:srgbClr val="000000"/>
-                      </a:solidFill>
-                      <a:prstDash val="solid"/>
-                      <a:round/>
-                      <a:headEnd type="none" w="med" len="med"/>
-                      <a:tailEnd type="none" w="med" len="med"/>
-                    </a:lnT>
-                    <a:lnB w="12700" cap="flat" cmpd="sng" algn="ctr">
-                      <a:solidFill>
-                        <a:srgbClr val="000000"/>
-                      </a:solidFill>
-                      <a:prstDash val="solid"/>
-                      <a:round/>
-                      <a:headEnd type="none" w="med" len="med"/>
-                      <a:tailEnd type="none" w="med" len="med"/>
-                    </a:lnB>
-                    <a:solidFill>
-                      <a:srgbClr val="C6EFCE"/>
-                    </a:solidFill>
-                  </a:tcPr>
-                </a:tc>
-                <a:extLst>
-                  <a:ext uri="{0D108BD9-81ED-4DB2-BD59-A6C34878D82A}">
-                    <a16:rowId xmlns:a16="http://schemas.microsoft.com/office/drawing/2014/main" val="4019037613"/>
-                  </a:ext>
-                </a:extLst>
-              </a:tr>
-              <a:tr h="258520">
-                <a:tc>
-                  <a:txBody>
-                    <a:bodyPr/>
-                    <a:lstStyle/>
-                    <a:p>
-                      <a:pPr algn="l"/>
-                      <a:r>
-                        <a:rPr lang="fr-CH" sz="1100">
-                          <a:solidFill>
-                            <a:srgbClr val="000000"/>
-                          </a:solidFill>
-                          <a:effectLst/>
-                          <a:latin typeface="Calibri" panose="020F0502020204030204" pitchFamily="34" charset="0"/>
-                          <a:ea typeface="Times New Roman" panose="02020603050405020304" pitchFamily="18" charset="0"/>
-                          <a:cs typeface="Times New Roman" panose="02020603050405020304" pitchFamily="18" charset="0"/>
-                        </a:rPr>
-                        <a:t>Objets empruntés</a:t>
-                      </a:r>
-                      <a:endParaRPr lang="fr-CH" sz="1000">
-                        <a:effectLst/>
-                        <a:latin typeface="Century Gothic" panose="020B0502020202020204" pitchFamily="34" charset="0"/>
-                        <a:ea typeface="Times New Roman" panose="02020603050405020304" pitchFamily="18" charset="0"/>
-                        <a:cs typeface="Times New Roman" panose="02020603050405020304" pitchFamily="18" charset="0"/>
-                      </a:endParaRPr>
-                    </a:p>
-                  </a:txBody>
-                  <a:tcPr marL="44450" marR="44450" marT="0" marB="0" anchor="b">
-                    <a:lnL w="12700" cap="flat" cmpd="sng" algn="ctr">
-                      <a:solidFill>
-                        <a:srgbClr val="000000"/>
-                      </a:solidFill>
-                      <a:prstDash val="solid"/>
-                      <a:round/>
-                      <a:headEnd type="none" w="med" len="med"/>
-                      <a:tailEnd type="none" w="med" len="med"/>
-                    </a:lnL>
-                    <a:lnR w="12700" cap="flat" cmpd="sng" algn="ctr">
-                      <a:solidFill>
-                        <a:srgbClr val="000000"/>
-                      </a:solidFill>
-                      <a:prstDash val="solid"/>
-                      <a:round/>
-                      <a:headEnd type="none" w="med" len="med"/>
-                      <a:tailEnd type="none" w="med" len="med"/>
-                    </a:lnR>
-                    <a:lnT w="12700" cap="flat" cmpd="sng" algn="ctr">
-                      <a:solidFill>
-                        <a:srgbClr val="000000"/>
-                      </a:solidFill>
-                      <a:prstDash val="solid"/>
-                      <a:round/>
-                      <a:headEnd type="none" w="med" len="med"/>
-                      <a:tailEnd type="none" w="med" len="med"/>
-                    </a:lnT>
-                    <a:lnB w="12700" cap="flat" cmpd="sng" algn="ctr">
-                      <a:solidFill>
-                        <a:srgbClr val="000000"/>
-                      </a:solidFill>
-                      <a:prstDash val="solid"/>
-                      <a:round/>
-                      <a:headEnd type="none" w="med" len="med"/>
-                      <a:tailEnd type="none" w="med" len="med"/>
-                    </a:lnB>
-                    <a:solidFill>
-                      <a:srgbClr val="EDEDED"/>
-                    </a:solidFill>
-                  </a:tcPr>
-                </a:tc>
-                <a:tc>
-                  <a:txBody>
-                    <a:bodyPr/>
-                    <a:lstStyle/>
-                    <a:p>
-                      <a:pPr algn="ctr"/>
-                      <a:r>
-                        <a:rPr lang="fr-CH" sz="1100">
-                          <a:solidFill>
-                            <a:srgbClr val="006100"/>
-                          </a:solidFill>
-                          <a:effectLst/>
-                          <a:latin typeface="Calibri" panose="020F0502020204030204" pitchFamily="34" charset="0"/>
-                          <a:ea typeface="Times New Roman" panose="02020603050405020304" pitchFamily="18" charset="0"/>
-                          <a:cs typeface="Times New Roman" panose="02020603050405020304" pitchFamily="18" charset="0"/>
-                        </a:rPr>
-                        <a:t>Fait</a:t>
-                      </a:r>
-                      <a:endParaRPr lang="fr-CH" sz="1000">
-                        <a:effectLst/>
-                        <a:latin typeface="Century Gothic" panose="020B0502020202020204" pitchFamily="34" charset="0"/>
-                        <a:ea typeface="Times New Roman" panose="02020603050405020304" pitchFamily="18" charset="0"/>
-                        <a:cs typeface="Times New Roman" panose="02020603050405020304" pitchFamily="18" charset="0"/>
-                      </a:endParaRPr>
-                    </a:p>
-                  </a:txBody>
-                  <a:tcPr marL="44450" marR="44450" marT="0" marB="0" anchor="b">
-                    <a:lnL w="12700" cap="flat" cmpd="sng" algn="ctr">
-                      <a:solidFill>
-                        <a:srgbClr val="000000"/>
-                      </a:solidFill>
-                      <a:prstDash val="solid"/>
-                      <a:round/>
-                      <a:headEnd type="none" w="med" len="med"/>
-                      <a:tailEnd type="none" w="med" len="med"/>
-                    </a:lnL>
-                    <a:lnR w="12700" cap="flat" cmpd="sng" algn="ctr">
-                      <a:solidFill>
-                        <a:srgbClr val="000000"/>
-                      </a:solidFill>
-                      <a:prstDash val="solid"/>
-                      <a:round/>
-                      <a:headEnd type="none" w="med" len="med"/>
-                      <a:tailEnd type="none" w="med" len="med"/>
-                    </a:lnR>
-                    <a:lnT w="12700" cap="flat" cmpd="sng" algn="ctr">
-                      <a:solidFill>
-                        <a:srgbClr val="000000"/>
-                      </a:solidFill>
-                      <a:prstDash val="solid"/>
-                      <a:round/>
-                      <a:headEnd type="none" w="med" len="med"/>
-                      <a:tailEnd type="none" w="med" len="med"/>
-                    </a:lnT>
-                    <a:lnB w="12700" cap="flat" cmpd="sng" algn="ctr">
-                      <a:solidFill>
-                        <a:srgbClr val="000000"/>
-                      </a:solidFill>
-                      <a:prstDash val="solid"/>
-                      <a:round/>
-                      <a:headEnd type="none" w="med" len="med"/>
-                      <a:tailEnd type="none" w="med" len="med"/>
-                    </a:lnB>
-                    <a:solidFill>
-                      <a:srgbClr val="C6EFCE"/>
-                    </a:solidFill>
-                  </a:tcPr>
-                </a:tc>
-                <a:extLst>
-                  <a:ext uri="{0D108BD9-81ED-4DB2-BD59-A6C34878D82A}">
-                    <a16:rowId xmlns:a16="http://schemas.microsoft.com/office/drawing/2014/main" val="772380302"/>
-                  </a:ext>
-                </a:extLst>
-              </a:tr>
-              <a:tr h="246895">
-                <a:tc>
-                  <a:txBody>
-                    <a:bodyPr/>
-                    <a:lstStyle/>
-                    <a:p>
-                      <a:pPr algn="l"/>
-                      <a:r>
-                        <a:rPr lang="fr-CH" sz="1100" dirty="0">
-                          <a:solidFill>
-                            <a:srgbClr val="000000"/>
-                          </a:solidFill>
-                          <a:effectLst/>
-                          <a:latin typeface="Calibri" panose="020F0502020204030204" pitchFamily="34" charset="0"/>
-                          <a:ea typeface="Times New Roman" panose="02020603050405020304" pitchFamily="18" charset="0"/>
-                          <a:cs typeface="Times New Roman" panose="02020603050405020304" pitchFamily="18" charset="0"/>
-                        </a:rPr>
-                        <a:t>Authentification</a:t>
-                      </a:r>
-                      <a:endParaRPr lang="fr-CH" sz="1000" dirty="0">
-                        <a:effectLst/>
-                        <a:latin typeface="Century Gothic" panose="020B0502020202020204" pitchFamily="34" charset="0"/>
-                        <a:ea typeface="Times New Roman" panose="02020603050405020304" pitchFamily="18" charset="0"/>
-                        <a:cs typeface="Times New Roman" panose="02020603050405020304" pitchFamily="18" charset="0"/>
-                      </a:endParaRPr>
-                    </a:p>
-                  </a:txBody>
-                  <a:tcPr marL="44450" marR="44450" marT="0" marB="0">
-                    <a:lnL w="12700" cap="flat" cmpd="sng" algn="ctr">
-                      <a:solidFill>
-                        <a:srgbClr val="000000"/>
-                      </a:solidFill>
-                      <a:prstDash val="solid"/>
-                      <a:round/>
-                      <a:headEnd type="none" w="med" len="med"/>
-                      <a:tailEnd type="none" w="med" len="med"/>
-                    </a:lnL>
-                    <a:lnR w="12700" cap="flat" cmpd="sng" algn="ctr">
-                      <a:solidFill>
-                        <a:srgbClr val="000000"/>
-                      </a:solidFill>
-                      <a:prstDash val="solid"/>
-                      <a:round/>
-                      <a:headEnd type="none" w="med" len="med"/>
-                      <a:tailEnd type="none" w="med" len="med"/>
-                    </a:lnR>
-                    <a:lnT w="12700" cap="flat" cmpd="sng" algn="ctr">
-                      <a:solidFill>
-                        <a:srgbClr val="000000"/>
-                      </a:solidFill>
-                      <a:prstDash val="solid"/>
-                      <a:round/>
-                      <a:headEnd type="none" w="med" len="med"/>
-                      <a:tailEnd type="none" w="med" len="med"/>
-                    </a:lnT>
-                    <a:lnB w="12700" cap="flat" cmpd="sng" algn="ctr">
-                      <a:solidFill>
-                        <a:srgbClr val="000000"/>
-                      </a:solidFill>
-                      <a:prstDash val="solid"/>
-                      <a:round/>
-                      <a:headEnd type="none" w="med" len="med"/>
-                      <a:tailEnd type="none" w="med" len="med"/>
-                    </a:lnB>
-                    <a:solidFill>
-                      <a:srgbClr val="EDEDED"/>
-                    </a:solidFill>
-                  </a:tcPr>
-                </a:tc>
-                <a:tc>
-                  <a:txBody>
-                    <a:bodyPr/>
-                    <a:lstStyle/>
-                    <a:p>
-                      <a:pPr algn="ctr"/>
-                      <a:r>
-                        <a:rPr lang="fr-CH" sz="1100" dirty="0">
-                          <a:solidFill>
-                            <a:srgbClr val="984806"/>
-                          </a:solidFill>
-                          <a:effectLst/>
-                          <a:latin typeface="Calibri" panose="020F0502020204030204" pitchFamily="34" charset="0"/>
-                          <a:ea typeface="Times New Roman" panose="02020603050405020304" pitchFamily="18" charset="0"/>
-                          <a:cs typeface="Times New Roman" panose="02020603050405020304" pitchFamily="18" charset="0"/>
-                        </a:rPr>
-                        <a:t>Partiellement fait</a:t>
-                      </a:r>
-                      <a:r>
-                        <a:rPr lang="fr-CH" sz="1100" dirty="0">
-                          <a:solidFill>
-                            <a:srgbClr val="9C6500"/>
-                          </a:solidFill>
-                          <a:effectLst/>
-                          <a:latin typeface="Calibri" panose="020F0502020204030204" pitchFamily="34" charset="0"/>
-                          <a:ea typeface="Times New Roman" panose="02020603050405020304" pitchFamily="18" charset="0"/>
-                          <a:cs typeface="Times New Roman" panose="02020603050405020304" pitchFamily="18" charset="0"/>
-                        </a:rPr>
-                        <a:t> </a:t>
-                      </a:r>
-                      <a:endParaRPr lang="fr-CH" sz="1000" dirty="0">
-                        <a:effectLst/>
-                        <a:latin typeface="Century Gothic" panose="020B0502020202020204" pitchFamily="34" charset="0"/>
-                        <a:ea typeface="Times New Roman" panose="02020603050405020304" pitchFamily="18" charset="0"/>
-                        <a:cs typeface="Times New Roman" panose="02020603050405020304" pitchFamily="18" charset="0"/>
-                      </a:endParaRPr>
-                    </a:p>
-                  </a:txBody>
-                  <a:tcPr marL="44450" marR="44450" marT="0" marB="0" anchor="b">
-                    <a:lnL w="12700" cap="flat" cmpd="sng" algn="ctr">
-                      <a:solidFill>
-                        <a:srgbClr val="000000"/>
-                      </a:solidFill>
-                      <a:prstDash val="solid"/>
-                      <a:round/>
-                      <a:headEnd type="none" w="med" len="med"/>
-                      <a:tailEnd type="none" w="med" len="med"/>
-                    </a:lnL>
-                    <a:lnR w="12700" cap="flat" cmpd="sng" algn="ctr">
-                      <a:solidFill>
-                        <a:srgbClr val="000000"/>
-                      </a:solidFill>
-                      <a:prstDash val="solid"/>
-                      <a:round/>
-                      <a:headEnd type="none" w="med" len="med"/>
-                      <a:tailEnd type="none" w="med" len="med"/>
-                    </a:lnR>
-                    <a:lnT w="12700" cap="flat" cmpd="sng" algn="ctr">
-                      <a:solidFill>
-                        <a:srgbClr val="000000"/>
-                      </a:solidFill>
-                      <a:prstDash val="solid"/>
-                      <a:round/>
-                      <a:headEnd type="none" w="med" len="med"/>
-                      <a:tailEnd type="none" w="med" len="med"/>
-                    </a:lnT>
-                    <a:lnB w="12700" cap="flat" cmpd="sng" algn="ctr">
-                      <a:solidFill>
-                        <a:srgbClr val="000000"/>
-                      </a:solidFill>
-                      <a:prstDash val="solid"/>
-                      <a:round/>
-                      <a:headEnd type="none" w="med" len="med"/>
-                      <a:tailEnd type="none" w="med" len="med"/>
-                    </a:lnB>
-                    <a:solidFill>
-                      <a:srgbClr val="FFEB9C"/>
-                    </a:solidFill>
-                  </a:tcPr>
-                </a:tc>
-                <a:extLst>
-                  <a:ext uri="{0D108BD9-81ED-4DB2-BD59-A6C34878D82A}">
-                    <a16:rowId xmlns:a16="http://schemas.microsoft.com/office/drawing/2014/main" val="3315476501"/>
-                  </a:ext>
-                </a:extLst>
-              </a:tr>
-              <a:tr h="239748">
-                <a:tc>
-                  <a:txBody>
-                    <a:bodyPr/>
-                    <a:lstStyle/>
-                    <a:p>
-                      <a:pPr algn="l"/>
-                      <a:r>
-                        <a:rPr lang="fr-CH" sz="1100" dirty="0">
-                          <a:solidFill>
-                            <a:srgbClr val="000000"/>
-                          </a:solidFill>
-                          <a:effectLst/>
-                          <a:latin typeface="Calibri" panose="020F0502020204030204" pitchFamily="34" charset="0"/>
-                          <a:ea typeface="Times New Roman" panose="02020603050405020304" pitchFamily="18" charset="0"/>
-                          <a:cs typeface="Times New Roman" panose="02020603050405020304" pitchFamily="18" charset="0"/>
-                        </a:rPr>
-                        <a:t>Scan d'objets</a:t>
-                      </a:r>
-                      <a:endParaRPr lang="fr-CH" sz="1000" dirty="0">
-                        <a:effectLst/>
-                        <a:latin typeface="Century Gothic" panose="020B0502020202020204" pitchFamily="34" charset="0"/>
-                        <a:ea typeface="Times New Roman" panose="02020603050405020304" pitchFamily="18" charset="0"/>
-                        <a:cs typeface="Times New Roman" panose="02020603050405020304" pitchFamily="18" charset="0"/>
-                      </a:endParaRPr>
-                    </a:p>
-                  </a:txBody>
-                  <a:tcPr marL="44450" marR="44450" marT="0" marB="0">
-                    <a:lnL w="12700" cap="flat" cmpd="sng" algn="ctr">
-                      <a:solidFill>
-                        <a:srgbClr val="000000"/>
-                      </a:solidFill>
-                      <a:prstDash val="solid"/>
-                      <a:round/>
-                      <a:headEnd type="none" w="med" len="med"/>
-                      <a:tailEnd type="none" w="med" len="med"/>
-                    </a:lnL>
-                    <a:lnR w="12700" cap="flat" cmpd="sng" algn="ctr">
-                      <a:solidFill>
-                        <a:srgbClr val="000000"/>
-                      </a:solidFill>
-                      <a:prstDash val="solid"/>
-                      <a:round/>
-                      <a:headEnd type="none" w="med" len="med"/>
-                      <a:tailEnd type="none" w="med" len="med"/>
-                    </a:lnR>
-                    <a:lnT w="12700" cap="flat" cmpd="sng" algn="ctr">
-                      <a:solidFill>
-                        <a:srgbClr val="000000"/>
-                      </a:solidFill>
-                      <a:prstDash val="solid"/>
-                      <a:round/>
-                      <a:headEnd type="none" w="med" len="med"/>
-                      <a:tailEnd type="none" w="med" len="med"/>
-                    </a:lnT>
-                    <a:lnB w="12700" cap="flat" cmpd="sng" algn="ctr">
-                      <a:solidFill>
-                        <a:srgbClr val="000000"/>
-                      </a:solidFill>
-                      <a:prstDash val="solid"/>
-                      <a:round/>
-                      <a:headEnd type="none" w="med" len="med"/>
-                      <a:tailEnd type="none" w="med" len="med"/>
-                    </a:lnB>
-                    <a:solidFill>
-                      <a:srgbClr val="EDEDED"/>
-                    </a:solidFill>
-                  </a:tcPr>
-                </a:tc>
-                <a:tc>
-                  <a:txBody>
-                    <a:bodyPr/>
-                    <a:lstStyle/>
-                    <a:p>
-                      <a:pPr algn="ctr"/>
-                      <a:r>
-                        <a:rPr lang="fr-CH" sz="1100" dirty="0">
-                          <a:solidFill>
-                            <a:srgbClr val="9C0006"/>
-                          </a:solidFill>
-                          <a:effectLst/>
-                          <a:latin typeface="Calibri" panose="020F0502020204030204" pitchFamily="34" charset="0"/>
-                          <a:ea typeface="Times New Roman" panose="02020603050405020304" pitchFamily="18" charset="0"/>
-                          <a:cs typeface="Times New Roman" panose="02020603050405020304" pitchFamily="18" charset="0"/>
-                        </a:rPr>
-                        <a:t>Pas fait</a:t>
-                      </a:r>
-                      <a:endParaRPr lang="fr-CH" sz="1000" dirty="0">
-                        <a:effectLst/>
-                        <a:latin typeface="Century Gothic" panose="020B0502020202020204" pitchFamily="34" charset="0"/>
-                        <a:ea typeface="Times New Roman" panose="02020603050405020304" pitchFamily="18" charset="0"/>
-                        <a:cs typeface="Times New Roman" panose="02020603050405020304" pitchFamily="18" charset="0"/>
-                      </a:endParaRPr>
-                    </a:p>
-                  </a:txBody>
-                  <a:tcPr marL="44450" marR="44450" marT="0" marB="0" anchor="b">
-                    <a:lnL w="12700" cap="flat" cmpd="sng" algn="ctr">
-                      <a:solidFill>
-                        <a:srgbClr val="000000"/>
-                      </a:solidFill>
-                      <a:prstDash val="solid"/>
-                      <a:round/>
-                      <a:headEnd type="none" w="med" len="med"/>
-                      <a:tailEnd type="none" w="med" len="med"/>
-                    </a:lnL>
-                    <a:lnR w="12700" cap="flat" cmpd="sng" algn="ctr">
-                      <a:solidFill>
-                        <a:srgbClr val="000000"/>
-                      </a:solidFill>
-                      <a:prstDash val="solid"/>
-                      <a:round/>
-                      <a:headEnd type="none" w="med" len="med"/>
-                      <a:tailEnd type="none" w="med" len="med"/>
-                    </a:lnR>
-                    <a:lnT w="12700" cap="flat" cmpd="sng" algn="ctr">
-                      <a:solidFill>
-                        <a:srgbClr val="000000"/>
-                      </a:solidFill>
-                      <a:prstDash val="solid"/>
-                      <a:round/>
-                      <a:headEnd type="none" w="med" len="med"/>
-                      <a:tailEnd type="none" w="med" len="med"/>
-                    </a:lnT>
-                    <a:lnB w="12700" cap="flat" cmpd="sng" algn="ctr">
-                      <a:solidFill>
-                        <a:srgbClr val="000000"/>
-                      </a:solidFill>
-                      <a:prstDash val="solid"/>
-                      <a:round/>
-                      <a:headEnd type="none" w="med" len="med"/>
-                      <a:tailEnd type="none" w="med" len="med"/>
-                    </a:lnB>
-                    <a:solidFill>
-                      <a:srgbClr val="FFC7CE"/>
-                    </a:solidFill>
-                  </a:tcPr>
-                </a:tc>
-                <a:extLst>
-                  <a:ext uri="{0D108BD9-81ED-4DB2-BD59-A6C34878D82A}">
-                    <a16:rowId xmlns:a16="http://schemas.microsoft.com/office/drawing/2014/main" val="1239612462"/>
-                  </a:ext>
-                </a:extLst>
-              </a:tr>
-            </a:tbl>
-          </a:graphicData>
-        </a:graphic>
-      </p:graphicFrame>
       <p:sp>
         <p:nvSpPr>
           <p:cNvPr id="12" name="ZoneTexte 11">
@@ -7118,6 +5304,13 @@
   <p:clrMapOvr>
     <a:masterClrMapping/>
   </p:clrMapOvr>
+  <p:timing>
+    <p:tnLst>
+      <p:par>
+        <p:cTn id="1" dur="indefinite" restart="never" nodeType="tmRoot"/>
+      </p:par>
+    </p:tnLst>
+  </p:timing>
 </p:sld>
 </file>
 
@@ -7164,7 +5357,7 @@
           <p:nvPr>
             <p:extLst>
               <p:ext uri="{D42A27DB-BD31-4B8C-83A1-F6EECF244321}">
-                <p14:modId xmlns:p14="http://schemas.microsoft.com/office/powerpoint/2010/main" val="3210843429"/>
+                <p14:modId xmlns:p14="http://schemas.microsoft.com/office/powerpoint/2010/main" val="169348732"/>
               </p:ext>
             </p:extLst>
           </p:nvPr>
@@ -7255,10 +5448,7 @@
                     <a:bodyPr/>
                     <a:lstStyle/>
                     <a:p>
-                      <a:r>
-                        <a:rPr lang="fr-CH" sz="2800" dirty="0"/>
-                        <a:t>Analyse</a:t>
-                      </a:r>
+                      <a:endParaRPr lang="fr-CH" sz="2800" dirty="0"/>
                     </a:p>
                   </a:txBody>
                   <a:tcPr>
@@ -7273,8 +5463,8 @@
                     <a:lstStyle/>
                     <a:p>
                       <a:r>
-                        <a:rPr lang="fr-CH" sz="2800" dirty="0"/>
-                        <a:t>Apprentissage du Xamarin</a:t>
+                        <a:rPr lang="fr-CH" sz="2800" dirty="0" smtClean="0"/>
+                        <a:t>Code - Structure MVVM</a:t>
                       </a:r>
                     </a:p>
                   </a:txBody>
@@ -7299,10 +5489,7 @@
                     <a:bodyPr/>
                     <a:lstStyle/>
                     <a:p>
-                      <a:r>
-                        <a:rPr lang="fr-CH" sz="2800" dirty="0"/>
-                        <a:t>Planification initiale</a:t>
-                      </a:r>
+                      <a:endParaRPr lang="fr-CH" sz="2800" dirty="0"/>
                     </a:p>
                   </a:txBody>
                   <a:tcPr>
@@ -7316,10 +5503,7 @@
                     <a:bodyPr/>
                     <a:lstStyle/>
                     <a:p>
-                      <a:r>
-                        <a:rPr lang="fr-CH" sz="2800" dirty="0"/>
-                        <a:t>Code de l’application</a:t>
-                      </a:r>
+                      <a:endParaRPr lang="fr-CH" sz="2800" dirty="0"/>
                     </a:p>
                   </a:txBody>
                   <a:tcPr>
@@ -7343,10 +5527,7 @@
                     <a:bodyPr/>
                     <a:lstStyle/>
                     <a:p>
-                      <a:r>
-                        <a:rPr lang="fr-CH" sz="2800" dirty="0"/>
-                        <a:t>Tests</a:t>
-                      </a:r>
+                      <a:endParaRPr lang="fr-CH" sz="2800" dirty="0"/>
                     </a:p>
                   </a:txBody>
                   <a:tcPr>
@@ -7360,10 +5541,7 @@
                     <a:bodyPr/>
                     <a:lstStyle/>
                     <a:p>
-                      <a:r>
-                        <a:rPr lang="fr-CH" sz="2800" dirty="0"/>
-                        <a:t>Rapport de projet &amp; progrès en documentation</a:t>
-                      </a:r>
+                      <a:endParaRPr lang="fr-CH" sz="2800" dirty="0"/>
                     </a:p>
                   </a:txBody>
                   <a:tcPr>
@@ -7431,6 +5609,13 @@
   <p:clrMapOvr>
     <a:masterClrMapping/>
   </p:clrMapOvr>
+  <p:timing>
+    <p:tnLst>
+      <p:par>
+        <p:cTn id="1" dur="indefinite" restart="never" nodeType="tmRoot"/>
+      </p:par>
+    </p:tnLst>
+  </p:timing>
 </p:sld>
 </file>
 
@@ -7451,42 +5636,6 @@
           <a:chExt cx="0" cy="0"/>
         </a:xfrm>
       </p:grpSpPr>
-      <p:pic>
-        <p:nvPicPr>
-          <p:cNvPr id="6" name="Image 5">
-            <a:extLst>
-              <a:ext uri="{FF2B5EF4-FFF2-40B4-BE49-F238E27FC236}">
-                <a16:creationId xmlns:a16="http://schemas.microsoft.com/office/drawing/2014/main" id="{A88D34C3-4CFC-46B7-BE81-BE8A69710631}"/>
-              </a:ext>
-            </a:extLst>
-          </p:cNvPr>
-          <p:cNvPicPr>
-            <a:picLocks noChangeAspect="1"/>
-          </p:cNvPicPr>
-          <p:nvPr/>
-        </p:nvPicPr>
-        <p:blipFill>
-          <a:blip r:embed="rId2" cstate="print">
-            <a:extLst>
-              <a:ext uri="{28A0092B-C50C-407E-A947-70E740481C1C}">
-                <a14:useLocalDpi xmlns:a14="http://schemas.microsoft.com/office/drawing/2010/main" val="0"/>
-              </a:ext>
-            </a:extLst>
-          </a:blip>
-          <a:stretch>
-            <a:fillRect/>
-          </a:stretch>
-        </p:blipFill>
-        <p:spPr>
-          <a:xfrm>
-            <a:off x="1252092" y="2279878"/>
-            <a:ext cx="2282711" cy="4565422"/>
-          </a:xfrm>
-          <a:prstGeom prst="rect">
-            <a:avLst/>
-          </a:prstGeom>
-        </p:spPr>
-      </p:pic>
       <p:sp>
         <p:nvSpPr>
           <p:cNvPr id="7" name="Espace réservé du pied de page 8">
@@ -7988,127 +6137,29 @@
             <p:ph type="title"/>
           </p:nvPr>
         </p:nvSpPr>
-        <p:spPr/>
+        <p:spPr>
+          <a:xfrm>
+            <a:off x="1397000" y="417946"/>
+            <a:ext cx="9601200" cy="690418"/>
+          </a:xfrm>
+        </p:spPr>
         <p:txBody>
           <a:bodyPr/>
           <a:lstStyle/>
           <a:p>
-            <a:r>
-              <a:rPr lang="fr-CH" dirty="0"/>
-              <a:t>Sommaire</a:t>
-            </a:r>
-          </a:p>
-        </p:txBody>
-      </p:sp>
-      <p:sp>
-        <p:nvSpPr>
-          <p:cNvPr id="3" name="Espace réservé du contenu 2"/>
-          <p:cNvSpPr>
-            <a:spLocks noGrp="1"/>
-          </p:cNvSpPr>
-          <p:nvPr>
-            <p:ph idx="1"/>
-          </p:nvPr>
-        </p:nvSpPr>
-        <p:spPr/>
-        <p:txBody>
-          <a:bodyPr/>
-          <a:lstStyle/>
-          <a:p>
-            <a:pPr marL="457200" indent="-457200">
-              <a:buFont typeface="+mj-lt"/>
-              <a:buAutoNum type="arabicPeriod"/>
-            </a:pPr>
-            <a:r>
-              <a:rPr lang="fr-CH" dirty="0"/>
-              <a:t>Spécifications</a:t>
-            </a:r>
-          </a:p>
-          <a:p>
-            <a:pPr marL="457200" indent="-457200">
-              <a:buFont typeface="+mj-lt"/>
-              <a:buAutoNum type="arabicPeriod"/>
-            </a:pPr>
-            <a:r>
-              <a:rPr lang="fr-CH" dirty="0"/>
-              <a:t>Sujet</a:t>
-            </a:r>
-          </a:p>
-          <a:p>
-            <a:pPr marL="457200" indent="-457200">
-              <a:buFont typeface="+mj-lt"/>
-              <a:buAutoNum type="arabicPeriod"/>
-            </a:pPr>
-            <a:r>
-              <a:rPr lang="fr-CH" dirty="0"/>
-              <a:t>Défis</a:t>
-            </a:r>
-          </a:p>
-          <a:p>
-            <a:pPr marL="457200" indent="-457200">
-              <a:buFont typeface="+mj-lt"/>
-              <a:buAutoNum type="arabicPeriod"/>
-            </a:pPr>
-            <a:r>
-              <a:rPr lang="fr-CH" dirty="0"/>
-              <a:t>Réalisation</a:t>
-            </a:r>
-          </a:p>
-          <a:p>
-            <a:pPr marL="457200" indent="-457200">
-              <a:buFont typeface="+mj-lt"/>
-              <a:buAutoNum type="arabicPeriod"/>
-            </a:pPr>
-            <a:r>
-              <a:rPr lang="fr-CH" dirty="0"/>
-              <a:t>Conclusion</a:t>
-            </a:r>
-          </a:p>
-          <a:p>
-            <a:pPr marL="457200" indent="-457200">
-              <a:buFont typeface="+mj-lt"/>
-              <a:buAutoNum type="arabicPeriod"/>
-            </a:pPr>
-            <a:endParaRPr lang="fr-CH" dirty="0"/>
-          </a:p>
-        </p:txBody>
-      </p:sp>
-      <p:pic>
-        <p:nvPicPr>
-          <p:cNvPr id="5" name="Image 4" descr="Une image contenant piscine à balles&#10;&#10;Description générée automatiquement">
-            <a:extLst>
-              <a:ext uri="{FF2B5EF4-FFF2-40B4-BE49-F238E27FC236}">
-                <a16:creationId xmlns:a16="http://schemas.microsoft.com/office/drawing/2014/main" id="{805C3F3E-2B79-4D7E-83D2-FA9FE27B9467}"/>
-              </a:ext>
-            </a:extLst>
-          </p:cNvPr>
-          <p:cNvPicPr>
-            <a:picLocks noChangeAspect="1"/>
-          </p:cNvPicPr>
-          <p:nvPr/>
-        </p:nvPicPr>
-        <p:blipFill>
-          <a:blip r:embed="rId2">
-            <a:extLst>
-              <a:ext uri="{28A0092B-C50C-407E-A947-70E740481C1C}">
-                <a14:useLocalDpi xmlns:a14="http://schemas.microsoft.com/office/drawing/2010/main" val="0"/>
-              </a:ext>
-            </a:extLst>
-          </a:blip>
-          <a:stretch>
-            <a:fillRect/>
-          </a:stretch>
-        </p:blipFill>
-        <p:spPr>
-          <a:xfrm flipH="1">
-            <a:off x="6815240" y="4433854"/>
-            <a:ext cx="2808436" cy="2661792"/>
-          </a:xfrm>
-          <a:prstGeom prst="rect">
-            <a:avLst/>
-          </a:prstGeom>
-        </p:spPr>
-      </p:pic>
+            <a:pPr algn="ctr"/>
+            <a:r>
+              <a:rPr lang="fr-CH" dirty="0" smtClean="0">
+                <a:latin typeface="Arial Black" panose="020B0A04020102020204" pitchFamily="34" charset="0"/>
+              </a:rPr>
+              <a:t>SOMMAIRE</a:t>
+            </a:r>
+            <a:endParaRPr lang="fr-CH" dirty="0">
+              <a:latin typeface="Arial Black" panose="020B0A04020102020204" pitchFamily="34" charset="0"/>
+            </a:endParaRPr>
+          </a:p>
+        </p:txBody>
+      </p:sp>
       <p:sp>
         <p:nvSpPr>
           <p:cNvPr id="8" name="ZoneTexte 7">
@@ -8145,6 +6196,248 @@
           </a:p>
         </p:txBody>
       </p:sp>
+      <p:sp>
+        <p:nvSpPr>
+          <p:cNvPr id="4" name="ZoneTexte 3"/>
+          <p:cNvSpPr txBox="1"/>
+          <p:nvPr/>
+        </p:nvSpPr>
+        <p:spPr>
+          <a:xfrm>
+            <a:off x="1607127" y="3251191"/>
+            <a:ext cx="9180947" cy="470812"/>
+          </a:xfrm>
+          <a:prstGeom prst="rect">
+            <a:avLst/>
+          </a:prstGeom>
+          <a:solidFill>
+            <a:schemeClr val="accent4">
+              <a:lumMod val="40000"/>
+              <a:lumOff val="60000"/>
+            </a:schemeClr>
+          </a:solidFill>
+        </p:spPr>
+        <p:txBody>
+          <a:bodyPr wrap="square" rtlCol="0">
+            <a:noAutofit/>
+          </a:bodyPr>
+          <a:lstStyle/>
+          <a:p>
+            <a:r>
+              <a:rPr lang="fr-CH" dirty="0" smtClean="0">
+                <a:latin typeface="Arial Black" panose="020B0A04020102020204" pitchFamily="34" charset="0"/>
+              </a:rPr>
+              <a:t>SPÉCIFICATIONS</a:t>
+            </a:r>
+            <a:endParaRPr lang="fr-CH" dirty="0">
+              <a:latin typeface="Arial Black" panose="020B0A04020102020204" pitchFamily="34" charset="0"/>
+            </a:endParaRPr>
+          </a:p>
+        </p:txBody>
+      </p:sp>
+      <p:sp>
+        <p:nvSpPr>
+          <p:cNvPr id="7" name="ZoneTexte 6"/>
+          <p:cNvSpPr txBox="1"/>
+          <p:nvPr/>
+        </p:nvSpPr>
+        <p:spPr>
+          <a:xfrm>
+            <a:off x="1607127" y="3863161"/>
+            <a:ext cx="9180947" cy="470812"/>
+          </a:xfrm>
+          <a:prstGeom prst="rect">
+            <a:avLst/>
+          </a:prstGeom>
+          <a:solidFill>
+            <a:schemeClr val="accent5">
+              <a:lumMod val="40000"/>
+              <a:lumOff val="60000"/>
+            </a:schemeClr>
+          </a:solidFill>
+        </p:spPr>
+        <p:txBody>
+          <a:bodyPr wrap="square" rtlCol="0">
+            <a:noAutofit/>
+          </a:bodyPr>
+          <a:lstStyle/>
+          <a:p>
+            <a:r>
+              <a:rPr lang="fr-CH" dirty="0">
+                <a:latin typeface="Arial Black" panose="020B0A04020102020204" pitchFamily="34" charset="0"/>
+              </a:rPr>
+              <a:t>S</a:t>
+            </a:r>
+            <a:r>
+              <a:rPr lang="fr-CH" dirty="0" smtClean="0">
+                <a:latin typeface="Arial Black" panose="020B0A04020102020204" pitchFamily="34" charset="0"/>
+              </a:rPr>
+              <a:t>UJET</a:t>
+            </a:r>
+            <a:endParaRPr lang="fr-CH" dirty="0">
+              <a:latin typeface="Arial Black" panose="020B0A04020102020204" pitchFamily="34" charset="0"/>
+            </a:endParaRPr>
+          </a:p>
+        </p:txBody>
+      </p:sp>
+      <p:sp>
+        <p:nvSpPr>
+          <p:cNvPr id="9" name="ZoneTexte 8"/>
+          <p:cNvSpPr txBox="1"/>
+          <p:nvPr/>
+        </p:nvSpPr>
+        <p:spPr>
+          <a:xfrm>
+            <a:off x="1607127" y="4475131"/>
+            <a:ext cx="9180947" cy="470812"/>
+          </a:xfrm>
+          <a:prstGeom prst="rect">
+            <a:avLst/>
+          </a:prstGeom>
+          <a:solidFill>
+            <a:schemeClr val="accent6">
+              <a:lumMod val="40000"/>
+              <a:lumOff val="60000"/>
+            </a:schemeClr>
+          </a:solidFill>
+        </p:spPr>
+        <p:txBody>
+          <a:bodyPr wrap="square" rtlCol="0">
+            <a:noAutofit/>
+          </a:bodyPr>
+          <a:lstStyle/>
+          <a:p>
+            <a:r>
+              <a:rPr lang="fr-CH" dirty="0" smtClean="0">
+                <a:latin typeface="Arial Black" panose="020B0A04020102020204" pitchFamily="34" charset="0"/>
+              </a:rPr>
+              <a:t>DÉFIS</a:t>
+            </a:r>
+            <a:endParaRPr lang="fr-CH" dirty="0">
+              <a:latin typeface="Arial Black" panose="020B0A04020102020204" pitchFamily="34" charset="0"/>
+            </a:endParaRPr>
+          </a:p>
+        </p:txBody>
+      </p:sp>
+      <p:sp>
+        <p:nvSpPr>
+          <p:cNvPr id="10" name="ZoneTexte 9"/>
+          <p:cNvSpPr txBox="1"/>
+          <p:nvPr/>
+        </p:nvSpPr>
+        <p:spPr>
+          <a:xfrm>
+            <a:off x="1607127" y="5087101"/>
+            <a:ext cx="9180947" cy="470812"/>
+          </a:xfrm>
+          <a:prstGeom prst="rect">
+            <a:avLst/>
+          </a:prstGeom>
+          <a:solidFill>
+            <a:schemeClr val="tx2">
+              <a:lumMod val="25000"/>
+              <a:lumOff val="75000"/>
+            </a:schemeClr>
+          </a:solidFill>
+        </p:spPr>
+        <p:txBody>
+          <a:bodyPr wrap="square" rtlCol="0">
+            <a:noAutofit/>
+          </a:bodyPr>
+          <a:lstStyle/>
+          <a:p>
+            <a:r>
+              <a:rPr lang="fr-CH" dirty="0" smtClean="0">
+                <a:latin typeface="Arial Black" panose="020B0A04020102020204" pitchFamily="34" charset="0"/>
+              </a:rPr>
+              <a:t>RÉALISATION</a:t>
+            </a:r>
+            <a:endParaRPr lang="fr-CH" dirty="0">
+              <a:latin typeface="Arial Black" panose="020B0A04020102020204" pitchFamily="34" charset="0"/>
+            </a:endParaRPr>
+          </a:p>
+        </p:txBody>
+      </p:sp>
+      <p:sp>
+        <p:nvSpPr>
+          <p:cNvPr id="11" name="ZoneTexte 10"/>
+          <p:cNvSpPr txBox="1"/>
+          <p:nvPr/>
+        </p:nvSpPr>
+        <p:spPr>
+          <a:xfrm>
+            <a:off x="1607127" y="5699071"/>
+            <a:ext cx="9180947" cy="470812"/>
+          </a:xfrm>
+          <a:prstGeom prst="rect">
+            <a:avLst/>
+          </a:prstGeom>
+          <a:solidFill>
+            <a:schemeClr val="accent2">
+              <a:lumMod val="40000"/>
+              <a:lumOff val="60000"/>
+            </a:schemeClr>
+          </a:solidFill>
+        </p:spPr>
+        <p:txBody>
+          <a:bodyPr wrap="square" rtlCol="0">
+            <a:noAutofit/>
+          </a:bodyPr>
+          <a:lstStyle/>
+          <a:p>
+            <a:r>
+              <a:rPr lang="fr-CH" dirty="0" smtClean="0">
+                <a:latin typeface="Arial Black" panose="020B0A04020102020204" pitchFamily="34" charset="0"/>
+              </a:rPr>
+              <a:t>CONCLUSION</a:t>
+            </a:r>
+            <a:endParaRPr lang="fr-CH" dirty="0">
+              <a:latin typeface="Arial Black" panose="020B0A04020102020204" pitchFamily="34" charset="0"/>
+            </a:endParaRPr>
+          </a:p>
+        </p:txBody>
+      </p:sp>
+      <p:pic>
+        <p:nvPicPr>
+          <p:cNvPr id="1026" name="Picture 2" descr="Afficher l’image source"/>
+          <p:cNvPicPr>
+            <a:picLocks noChangeAspect="1" noChangeArrowheads="1"/>
+          </p:cNvPicPr>
+          <p:nvPr/>
+        </p:nvPicPr>
+        <p:blipFill>
+          <a:blip r:embed="rId2" cstate="print">
+            <a:extLst>
+              <a:ext uri="{28A0092B-C50C-407E-A947-70E740481C1C}">
+                <a14:useLocalDpi xmlns:a14="http://schemas.microsoft.com/office/drawing/2010/main" val="0"/>
+              </a:ext>
+            </a:extLst>
+          </a:blip>
+          <a:srcRect/>
+          <a:stretch>
+            <a:fillRect/>
+          </a:stretch>
+        </p:blipFill>
+        <p:spPr bwMode="auto">
+          <a:xfrm>
+            <a:off x="4456193" y="1249522"/>
+            <a:ext cx="3482814" cy="1832263"/>
+          </a:xfrm>
+          <a:prstGeom prst="rect">
+            <a:avLst/>
+          </a:prstGeom>
+          <a:noFill/>
+          <a:extLst>
+            <a:ext uri="{909E8E84-426E-40DD-AFC4-6F175D3DCCD1}">
+              <a14:hiddenFill xmlns:a14="http://schemas.microsoft.com/office/drawing/2010/main">
+                <a:solidFill>
+                  <a:srgbClr val="FFFFFF"/>
+                </a:solidFill>
+              </a14:hiddenFill>
+            </a:ext>
+          </a:extLst>
+        </p:spPr>
+      </p:pic>
     </p:spTree>
     <p:extLst>
       <p:ext uri="{BB962C8B-B14F-4D97-AF65-F5344CB8AC3E}">
@@ -8155,6 +6448,13 @@
   <p:clrMapOvr>
     <a:masterClrMapping/>
   </p:clrMapOvr>
+  <p:timing>
+    <p:tnLst>
+      <p:par>
+        <p:cTn id="1" dur="indefinite" restart="never" nodeType="tmRoot"/>
+      </p:par>
+    </p:tnLst>
+  </p:timing>
 </p:sld>
 </file>
 
@@ -8195,7 +6495,7 @@
         <p:spPr>
           <a:xfrm>
             <a:off x="3652207" y="1532040"/>
-            <a:ext cx="5408853" cy="830997"/>
+            <a:ext cx="4894289" cy="830997"/>
           </a:xfrm>
           <a:prstGeom prst="rect">
             <a:avLst/>
@@ -8213,7 +6513,47 @@
                 <a:ea typeface="Times New Roman" panose="02020603050405020304" pitchFamily="18" charset="0"/>
                 <a:cs typeface="Times New Roman" panose="02020603050405020304" pitchFamily="18" charset="0"/>
               </a:rPr>
-              <a:t>Du 24 Janvier 2022 au 30 Mars 2022</a:t>
+              <a:t>Du </a:t>
+            </a:r>
+            <a:r>
+              <a:rPr lang="fr-CH" sz="2400" dirty="0" smtClean="0">
+                <a:latin typeface="Century Gothic" panose="020B0502020202020204" pitchFamily="34" charset="0"/>
+                <a:ea typeface="Times New Roman" panose="02020603050405020304" pitchFamily="18" charset="0"/>
+                <a:cs typeface="Times New Roman" panose="02020603050405020304" pitchFamily="18" charset="0"/>
+              </a:rPr>
+              <a:t>02</a:t>
+            </a:r>
+            <a:r>
+              <a:rPr lang="fr-CH" sz="2400" dirty="0" smtClean="0">
+                <a:latin typeface="Century Gothic" panose="020B0502020202020204" pitchFamily="34" charset="0"/>
+                <a:ea typeface="Times New Roman" panose="02020603050405020304" pitchFamily="18" charset="0"/>
+                <a:cs typeface="Times New Roman" panose="02020603050405020304" pitchFamily="18" charset="0"/>
+              </a:rPr>
+              <a:t> Mai </a:t>
+            </a:r>
+            <a:r>
+              <a:rPr lang="fr-CH" sz="2400" dirty="0">
+                <a:latin typeface="Century Gothic" panose="020B0502020202020204" pitchFamily="34" charset="0"/>
+                <a:ea typeface="Times New Roman" panose="02020603050405020304" pitchFamily="18" charset="0"/>
+                <a:cs typeface="Times New Roman" panose="02020603050405020304" pitchFamily="18" charset="0"/>
+              </a:rPr>
+              <a:t>2022 au </a:t>
+            </a:r>
+            <a:r>
+              <a:rPr lang="fr-CH" sz="2400" dirty="0" smtClean="0">
+                <a:latin typeface="Century Gothic" panose="020B0502020202020204" pitchFamily="34" charset="0"/>
+                <a:ea typeface="Times New Roman" panose="02020603050405020304" pitchFamily="18" charset="0"/>
+                <a:cs typeface="Times New Roman" panose="02020603050405020304" pitchFamily="18" charset="0"/>
+              </a:rPr>
+              <a:t>1er Juin </a:t>
+            </a:r>
+            <a:r>
+              <a:rPr lang="fr-CH" sz="2400" dirty="0">
+                <a:latin typeface="Century Gothic" panose="020B0502020202020204" pitchFamily="34" charset="0"/>
+                <a:ea typeface="Times New Roman" panose="02020603050405020304" pitchFamily="18" charset="0"/>
+                <a:cs typeface="Times New Roman" panose="02020603050405020304" pitchFamily="18" charset="0"/>
+              </a:rPr>
+              <a:t>2022</a:t>
             </a:r>
           </a:p>
           <a:p>
@@ -8223,7 +6563,35 @@
                 <a:latin typeface="Century Gothic" panose="020B0502020202020204" pitchFamily="34" charset="0"/>
                 <a:cs typeface="Times New Roman" panose="02020603050405020304" pitchFamily="18" charset="0"/>
               </a:rPr>
-              <a:t>9 Semaines ~ 172 Heures</a:t>
+              <a:t>4</a:t>
+            </a:r>
+            <a:r>
+              <a:rPr lang="fr-CH" sz="2400" dirty="0" smtClean="0">
+                <a:latin typeface="Century Gothic" panose="020B0502020202020204" pitchFamily="34" charset="0"/>
+                <a:cs typeface="Times New Roman" panose="02020603050405020304" pitchFamily="18" charset="0"/>
+              </a:rPr>
+              <a:t> </a:t>
+            </a:r>
+            <a:r>
+              <a:rPr lang="fr-CH" sz="2400" dirty="0">
+                <a:latin typeface="Century Gothic" panose="020B0502020202020204" pitchFamily="34" charset="0"/>
+                <a:cs typeface="Times New Roman" panose="02020603050405020304" pitchFamily="18" charset="0"/>
+              </a:rPr>
+              <a:t>Semaines ~ </a:t>
+            </a:r>
+            <a:r>
+              <a:rPr lang="fr-CH" sz="2400" dirty="0" smtClean="0">
+                <a:latin typeface="Century Gothic" panose="020B0502020202020204" pitchFamily="34" charset="0"/>
+                <a:cs typeface="Times New Roman" panose="02020603050405020304" pitchFamily="18" charset="0"/>
+              </a:rPr>
+              <a:t>84 </a:t>
+            </a:r>
+            <a:r>
+              <a:rPr lang="fr-CH" sz="2400" dirty="0">
+                <a:latin typeface="Century Gothic" panose="020B0502020202020204" pitchFamily="34" charset="0"/>
+                <a:cs typeface="Times New Roman" panose="02020603050405020304" pitchFamily="18" charset="0"/>
+              </a:rPr>
+              <a:t>Heures</a:t>
             </a:r>
             <a:endParaRPr lang="fr-CH" sz="2400" dirty="0"/>
           </a:p>
@@ -8393,8 +6761,8 @@
         </p:nvSpPr>
         <p:spPr>
           <a:xfrm>
-            <a:off x="6692132" y="5263503"/>
-            <a:ext cx="3201517" cy="523220"/>
+            <a:off x="6558499" y="5314604"/>
+            <a:ext cx="2730235" cy="523220"/>
           </a:xfrm>
           <a:prstGeom prst="rect">
             <a:avLst/>
@@ -8412,13 +6780,18 @@
               </a:spcAft>
             </a:pPr>
             <a:r>
-              <a:rPr lang="fr-CH" sz="2800" dirty="0">
+              <a:rPr lang="fr-CH" sz="2800" dirty="0" smtClean="0">
                 <a:latin typeface="Century Gothic" panose="020B0502020202020204" pitchFamily="34" charset="0"/>
                 <a:ea typeface="Times New Roman" panose="02020603050405020304" pitchFamily="18" charset="0"/>
                 <a:cs typeface="Times New Roman" panose="02020603050405020304" pitchFamily="18" charset="0"/>
               </a:rPr>
-              <a:t>Dimitrios Lymberis</a:t>
-            </a:r>
+              <a:t>Roberto Ferrari</a:t>
+            </a:r>
+            <a:endParaRPr lang="fr-CH" sz="2800" dirty="0">
+              <a:latin typeface="Century Gothic" panose="020B0502020202020204" pitchFamily="34" charset="0"/>
+              <a:ea typeface="Times New Roman" panose="02020603050405020304" pitchFamily="18" charset="0"/>
+              <a:cs typeface="Times New Roman" panose="02020603050405020304" pitchFamily="18" charset="0"/>
+            </a:endParaRPr>
           </a:p>
         </p:txBody>
       </p:sp>
@@ -8460,42 +6833,6 @@
           </a:p>
         </p:txBody>
       </p:sp>
-      <p:pic>
-        <p:nvPicPr>
-          <p:cNvPr id="3" name="Image 2">
-            <a:extLst>
-              <a:ext uri="{FF2B5EF4-FFF2-40B4-BE49-F238E27FC236}">
-                <a16:creationId xmlns:a16="http://schemas.microsoft.com/office/drawing/2014/main" id="{C6CE8E1B-E1DA-433B-8C2E-CE04D218073F}"/>
-              </a:ext>
-            </a:extLst>
-          </p:cNvPr>
-          <p:cNvPicPr>
-            <a:picLocks noChangeAspect="1"/>
-          </p:cNvPicPr>
-          <p:nvPr/>
-        </p:nvPicPr>
-        <p:blipFill>
-          <a:blip r:embed="rId5">
-            <a:extLst>
-              <a:ext uri="{28A0092B-C50C-407E-A947-70E740481C1C}">
-                <a14:useLocalDpi xmlns:a14="http://schemas.microsoft.com/office/drawing/2010/main" val="0"/>
-              </a:ext>
-            </a:extLst>
-          </a:blip>
-          <a:stretch>
-            <a:fillRect/>
-          </a:stretch>
-        </p:blipFill>
-        <p:spPr>
-          <a:xfrm flipH="1">
-            <a:off x="10276346" y="4806196"/>
-            <a:ext cx="1922232" cy="2058382"/>
-          </a:xfrm>
-          <a:prstGeom prst="rect">
-            <a:avLst/>
-          </a:prstGeom>
-        </p:spPr>
-      </p:pic>
       <p:sp>
         <p:nvSpPr>
           <p:cNvPr id="14" name="ZoneTexte 13">
@@ -8542,6 +6879,13 @@
   <p:clrMapOvr>
     <a:masterClrMapping/>
   </p:clrMapOvr>
+  <p:timing>
+    <p:tnLst>
+      <p:par>
+        <p:cTn id="1" dur="indefinite" restart="never" nodeType="tmRoot"/>
+      </p:par>
+    </p:tnLst>
+  </p:timing>
 </p:sld>
 </file>
 
@@ -8573,129 +6917,6 @@
           <a:chExt cx="0" cy="0"/>
         </a:xfrm>
       </p:grpSpPr>
-      <p:pic>
-        <p:nvPicPr>
-          <p:cNvPr id="2050" name="Picture 2" descr="Afficher l’image source"/>
-          <p:cNvPicPr>
-            <a:picLocks noChangeAspect="1" noChangeArrowheads="1"/>
-          </p:cNvPicPr>
-          <p:nvPr/>
-        </p:nvPicPr>
-        <p:blipFill>
-          <a:blip r:embed="rId2" cstate="print">
-            <a:extLst>
-              <a:ext uri="{28A0092B-C50C-407E-A947-70E740481C1C}">
-                <a14:useLocalDpi xmlns:a14="http://schemas.microsoft.com/office/drawing/2010/main" val="0"/>
-              </a:ext>
-            </a:extLst>
-          </a:blip>
-          <a:srcRect/>
-          <a:stretch>
-            <a:fillRect/>
-          </a:stretch>
-        </p:blipFill>
-        <p:spPr bwMode="auto">
-          <a:xfrm>
-            <a:off x="2002718" y="441985"/>
-            <a:ext cx="2367818" cy="2172086"/>
-          </a:xfrm>
-          <a:prstGeom prst="rect">
-            <a:avLst/>
-          </a:prstGeom>
-          <a:noFill/>
-          <a:extLst>
-            <a:ext uri="{909E8E84-426E-40DD-AFC4-6F175D3DCCD1}">
-              <a14:hiddenFill xmlns:a14="http://schemas.microsoft.com/office/drawing/2010/main">
-                <a:solidFill>
-                  <a:srgbClr val="FFFFFF"/>
-                </a:solidFill>
-              </a14:hiddenFill>
-            </a:ext>
-          </a:extLst>
-        </p:spPr>
-      </p:pic>
-      <p:pic>
-        <p:nvPicPr>
-          <p:cNvPr id="2054" name="Picture 6" descr="Afficher l’image source"/>
-          <p:cNvPicPr>
-            <a:picLocks noChangeAspect="1" noChangeArrowheads="1"/>
-          </p:cNvPicPr>
-          <p:nvPr/>
-        </p:nvPicPr>
-        <p:blipFill>
-          <a:blip r:embed="rId3">
-            <a:extLst>
-              <a:ext uri="{28A0092B-C50C-407E-A947-70E740481C1C}">
-                <a14:useLocalDpi xmlns:a14="http://schemas.microsoft.com/office/drawing/2010/main" val="0"/>
-              </a:ext>
-            </a:extLst>
-          </a:blip>
-          <a:srcRect/>
-          <a:stretch>
-            <a:fillRect/>
-          </a:stretch>
-        </p:blipFill>
-        <p:spPr bwMode="auto">
-          <a:xfrm>
-            <a:off x="4535576" y="3429000"/>
-            <a:ext cx="1905000" cy="1905000"/>
-          </a:xfrm>
-          <a:prstGeom prst="rect">
-            <a:avLst/>
-          </a:prstGeom>
-          <a:noFill/>
-          <a:extLst>
-            <a:ext uri="{909E8E84-426E-40DD-AFC4-6F175D3DCCD1}">
-              <a14:hiddenFill xmlns:a14="http://schemas.microsoft.com/office/drawing/2010/main">
-                <a:solidFill>
-                  <a:srgbClr val="FFFFFF"/>
-                </a:solidFill>
-              </a14:hiddenFill>
-            </a:ext>
-          </a:extLst>
-        </p:spPr>
-      </p:pic>
-      <p:pic>
-        <p:nvPicPr>
-          <p:cNvPr id="2058" name="Picture 10" descr="Recarregue a silhueta do ícone do serviço redondo Transparent PNG"/>
-          <p:cNvPicPr>
-            <a:picLocks noChangeAspect="1" noChangeArrowheads="1"/>
-          </p:cNvPicPr>
-          <p:nvPr/>
-        </p:nvPicPr>
-        <p:blipFill>
-          <a:blip r:embed="rId4">
-            <a:extLst>
-              <a:ext uri="{28A0092B-C50C-407E-A947-70E740481C1C}">
-                <a14:useLocalDpi xmlns:a14="http://schemas.microsoft.com/office/drawing/2010/main" val="0"/>
-              </a:ext>
-            </a:extLst>
-          </a:blip>
-          <a:srcRect/>
-          <a:stretch>
-            <a:fillRect/>
-          </a:stretch>
-        </p:blipFill>
-        <p:spPr bwMode="auto">
-          <a:xfrm>
-            <a:off x="6827608" y="830112"/>
-            <a:ext cx="2438400" cy="2438400"/>
-          </a:xfrm>
-          <a:prstGeom prst="rect">
-            <a:avLst/>
-          </a:prstGeom>
-          <a:noFill/>
-          <a:extLst>
-            <a:ext uri="{909E8E84-426E-40DD-AFC4-6F175D3DCCD1}">
-              <a14:hiddenFill xmlns:a14="http://schemas.microsoft.com/office/drawing/2010/main">
-                <a:solidFill>
-                  <a:srgbClr val="FFFFFF"/>
-                </a:solidFill>
-              </a14:hiddenFill>
-            </a:ext>
-          </a:extLst>
-        </p:spPr>
-      </p:pic>
       <p:sp>
         <p:nvSpPr>
           <p:cNvPr id="7" name="Espace réservé du pied de page 8">
@@ -8734,42 +6955,6 @@
           </a:p>
         </p:txBody>
       </p:sp>
-      <p:pic>
-        <p:nvPicPr>
-          <p:cNvPr id="5" name="Image 4" descr="Une image contenant texte, silhouette&#10;&#10;Description générée automatiquement">
-            <a:extLst>
-              <a:ext uri="{FF2B5EF4-FFF2-40B4-BE49-F238E27FC236}">
-                <a16:creationId xmlns:a16="http://schemas.microsoft.com/office/drawing/2014/main" id="{E6603E2C-8FAF-4C07-A22E-47D1BC7AE970}"/>
-              </a:ext>
-            </a:extLst>
-          </p:cNvPr>
-          <p:cNvPicPr>
-            <a:picLocks noChangeAspect="1"/>
-          </p:cNvPicPr>
-          <p:nvPr/>
-        </p:nvPicPr>
-        <p:blipFill>
-          <a:blip r:embed="rId5">
-            <a:extLst>
-              <a:ext uri="{28A0092B-C50C-407E-A947-70E740481C1C}">
-                <a14:useLocalDpi xmlns:a14="http://schemas.microsoft.com/office/drawing/2010/main" val="0"/>
-              </a:ext>
-            </a:extLst>
-          </a:blip>
-          <a:stretch>
-            <a:fillRect/>
-          </a:stretch>
-        </p:blipFill>
-        <p:spPr>
-          <a:xfrm>
-            <a:off x="699494" y="4243930"/>
-            <a:ext cx="2673915" cy="2673915"/>
-          </a:xfrm>
-          <a:prstGeom prst="rect">
-            <a:avLst/>
-          </a:prstGeom>
-        </p:spPr>
-      </p:pic>
       <p:sp>
         <p:nvSpPr>
           <p:cNvPr id="15" name="ZoneTexte 14">
@@ -8806,6 +6991,47 @@
           </a:p>
         </p:txBody>
       </p:sp>
+      <p:pic>
+        <p:nvPicPr>
+          <p:cNvPr id="2" name="Picture 2" descr="Afficher l’image source"/>
+          <p:cNvPicPr>
+            <a:picLocks noChangeAspect="1" noChangeArrowheads="1"/>
+          </p:cNvPicPr>
+          <p:nvPr/>
+        </p:nvPicPr>
+        <p:blipFill>
+          <a:blip r:embed="rId2">
+            <a:extLst>
+              <a:ext uri="{28A0092B-C50C-407E-A947-70E740481C1C}">
+                <a14:useLocalDpi xmlns:a14="http://schemas.microsoft.com/office/drawing/2010/main" val="0"/>
+              </a:ext>
+            </a:extLst>
+          </a:blip>
+          <a:srcRect/>
+          <a:stretch>
+            <a:fillRect/>
+          </a:stretch>
+        </p:blipFill>
+        <p:spPr bwMode="auto">
+          <a:xfrm>
+            <a:off x="1254703" y="433248"/>
+            <a:ext cx="3457537" cy="4267489"/>
+          </a:xfrm>
+          <a:prstGeom prst="rect">
+            <a:avLst/>
+          </a:prstGeom>
+          <a:noFill/>
+          <a:extLst>
+            <a:ext uri="{909E8E84-426E-40DD-AFC4-6F175D3DCCD1}">
+              <a14:hiddenFill xmlns:a14="http://schemas.microsoft.com/office/drawing/2010/main">
+                <a:solidFill>
+                  <a:srgbClr val="FFFFFF"/>
+                </a:solidFill>
+              </a14:hiddenFill>
+            </a:ext>
+          </a:extLst>
+        </p:spPr>
+      </p:pic>
     </p:spTree>
     <p:extLst>
       <p:ext uri="{BB962C8B-B14F-4D97-AF65-F5344CB8AC3E}">
@@ -8816,6 +7042,13 @@
   <p:clrMapOvr>
     <a:masterClrMapping/>
   </p:clrMapOvr>
+  <p:timing>
+    <p:tnLst>
+      <p:par>
+        <p:cTn id="1" dur="indefinite" restart="never" nodeType="tmRoot"/>
+      </p:par>
+    </p:tnLst>
+  </p:timing>
 </p:sld>
 </file>
 
@@ -8849,7 +7082,7 @@
       </p:grpSpPr>
       <p:pic>
         <p:nvPicPr>
-          <p:cNvPr id="1026" name="Picture 2" descr="Afficher l’image source"/>
+          <p:cNvPr id="1036" name="Picture 12" descr="Afficher l’image source"/>
           <p:cNvPicPr>
             <a:picLocks noChangeAspect="1" noChangeArrowheads="1"/>
           </p:cNvPicPr>
@@ -8870,89 +7103,7 @@
         </p:blipFill>
         <p:spPr bwMode="auto">
           <a:xfrm>
-            <a:off x="932967" y="1580906"/>
-            <a:ext cx="3549773" cy="3035056"/>
-          </a:xfrm>
-          <a:prstGeom prst="rect">
-            <a:avLst/>
-          </a:prstGeom>
-          <a:noFill/>
-          <a:extLst>
-            <a:ext uri="{909E8E84-426E-40DD-AFC4-6F175D3DCCD1}">
-              <a14:hiddenFill xmlns:a14="http://schemas.microsoft.com/office/drawing/2010/main">
-                <a:solidFill>
-                  <a:srgbClr val="FFFFFF"/>
-                </a:solidFill>
-              </a14:hiddenFill>
-            </a:ext>
-          </a:extLst>
-        </p:spPr>
-      </p:pic>
-      <p:pic>
-        <p:nvPicPr>
-          <p:cNvPr id="1032" name="Picture 8" descr="Afficher l’image source"/>
-          <p:cNvPicPr>
-            <a:picLocks noChangeAspect="1" noChangeArrowheads="1"/>
-          </p:cNvPicPr>
-          <p:nvPr/>
-        </p:nvPicPr>
-        <p:blipFill>
-          <a:blip r:embed="rId3" cstate="print">
-            <a:extLst>
-              <a:ext uri="{28A0092B-C50C-407E-A947-70E740481C1C}">
-                <a14:useLocalDpi xmlns:a14="http://schemas.microsoft.com/office/drawing/2010/main" val="0"/>
-              </a:ext>
-            </a:extLst>
-          </a:blip>
-          <a:srcRect/>
-          <a:stretch>
-            <a:fillRect/>
-          </a:stretch>
-        </p:blipFill>
-        <p:spPr bwMode="auto">
-          <a:xfrm>
-            <a:off x="8684117" y="1870078"/>
-            <a:ext cx="2745884" cy="2745884"/>
-          </a:xfrm>
-          <a:prstGeom prst="rect">
-            <a:avLst/>
-          </a:prstGeom>
-          <a:noFill/>
-          <a:extLst>
-            <a:ext uri="{909E8E84-426E-40DD-AFC4-6F175D3DCCD1}">
-              <a14:hiddenFill xmlns:a14="http://schemas.microsoft.com/office/drawing/2010/main">
-                <a:solidFill>
-                  <a:srgbClr val="FFFFFF"/>
-                </a:solidFill>
-              </a14:hiddenFill>
-            </a:ext>
-          </a:extLst>
-        </p:spPr>
-      </p:pic>
-      <p:pic>
-        <p:nvPicPr>
-          <p:cNvPr id="1036" name="Picture 12" descr="Afficher l’image source"/>
-          <p:cNvPicPr>
-            <a:picLocks noChangeAspect="1" noChangeArrowheads="1"/>
-          </p:cNvPicPr>
-          <p:nvPr/>
-        </p:nvPicPr>
-        <p:blipFill>
-          <a:blip r:embed="rId4" cstate="print">
-            <a:extLst>
-              <a:ext uri="{28A0092B-C50C-407E-A947-70E740481C1C}">
-                <a14:useLocalDpi xmlns:a14="http://schemas.microsoft.com/office/drawing/2010/main" val="0"/>
-              </a:ext>
-            </a:extLst>
-          </a:blip>
-          <a:srcRect/>
-          <a:stretch>
-            <a:fillRect/>
-          </a:stretch>
-        </p:blipFill>
-        <p:spPr bwMode="auto">
-          <a:xfrm>
-            <a:off x="4665839" y="1195754"/>
+            <a:off x="1597323" y="2655277"/>
             <a:ext cx="3052802" cy="3420208"/>
           </a:xfrm>
           <a:prstGeom prst="rect">
@@ -9006,6 +7157,114 @@
           </a:p>
         </p:txBody>
       </p:sp>
+      <p:pic>
+        <p:nvPicPr>
+          <p:cNvPr id="6" name="Image 5">
+            <a:extLst>
+              <a:ext uri="{FF2B5EF4-FFF2-40B4-BE49-F238E27FC236}">
+                <a16:creationId xmlns:a16="http://schemas.microsoft.com/office/drawing/2014/main" id="{8637E96C-493A-49AD-807E-59EBCB05F0E5}"/>
+              </a:ext>
+            </a:extLst>
+          </p:cNvPr>
+          <p:cNvPicPr>
+            <a:picLocks noChangeAspect="1"/>
+          </p:cNvPicPr>
+          <p:nvPr/>
+        </p:nvPicPr>
+        <p:blipFill>
+          <a:blip r:embed="rId3">
+            <a:extLst>
+              <a:ext uri="{28A0092B-C50C-407E-A947-70E740481C1C}">
+                <a14:useLocalDpi xmlns:a14="http://schemas.microsoft.com/office/drawing/2010/main" val="0"/>
+              </a:ext>
+            </a:extLst>
+          </a:blip>
+          <a:stretch>
+            <a:fillRect/>
+          </a:stretch>
+        </p:blipFill>
+        <p:spPr>
+          <a:xfrm>
+            <a:off x="3953819" y="436744"/>
+            <a:ext cx="7631512" cy="3198875"/>
+          </a:xfrm>
+          <a:prstGeom prst="rect">
+            <a:avLst/>
+          </a:prstGeom>
+        </p:spPr>
+      </p:pic>
+      <p:pic>
+        <p:nvPicPr>
+          <p:cNvPr id="7" name="Image 6" descr="Une image contenant texte, clipart, graphiques vectoriels&#10;&#10;Description générée automatiquement">
+            <a:extLst>
+              <a:ext uri="{FF2B5EF4-FFF2-40B4-BE49-F238E27FC236}">
+                <a16:creationId xmlns:a16="http://schemas.microsoft.com/office/drawing/2014/main" id="{422A3166-2488-46B3-B5E1-734BA59C8429}"/>
+              </a:ext>
+            </a:extLst>
+          </p:cNvPr>
+          <p:cNvPicPr>
+            <a:picLocks noChangeAspect="1"/>
+          </p:cNvPicPr>
+          <p:nvPr/>
+        </p:nvPicPr>
+        <p:blipFill>
+          <a:blip r:embed="rId4">
+            <a:extLst>
+              <a:ext uri="{28A0092B-C50C-407E-A947-70E740481C1C}">
+                <a14:useLocalDpi xmlns:a14="http://schemas.microsoft.com/office/drawing/2010/main" val="0"/>
+              </a:ext>
+            </a:extLst>
+          </a:blip>
+          <a:stretch>
+            <a:fillRect/>
+          </a:stretch>
+        </p:blipFill>
+        <p:spPr>
+          <a:xfrm>
+            <a:off x="5287664" y="4136022"/>
+            <a:ext cx="2128976" cy="1577019"/>
+          </a:xfrm>
+          <a:prstGeom prst="rect">
+            <a:avLst/>
+          </a:prstGeom>
+        </p:spPr>
+      </p:pic>
+      <p:pic>
+        <p:nvPicPr>
+          <p:cNvPr id="9" name="Image 8">
+            <a:extLst>
+              <a:ext uri="{FF2B5EF4-FFF2-40B4-BE49-F238E27FC236}">
+                <a16:creationId xmlns:a16="http://schemas.microsoft.com/office/drawing/2014/main" id="{80A3B974-C7A7-4350-84FD-425C52F2A09F}"/>
+              </a:ext>
+            </a:extLst>
+          </p:cNvPr>
+          <p:cNvPicPr>
+            <a:picLocks noChangeAspect="1"/>
+          </p:cNvPicPr>
+          <p:nvPr/>
+        </p:nvPicPr>
+        <p:blipFill>
+          <a:blip r:embed="rId5" cstate="print">
+            <a:extLst>
+              <a:ext uri="{28A0092B-C50C-407E-A947-70E740481C1C}">
+                <a14:useLocalDpi xmlns:a14="http://schemas.microsoft.com/office/drawing/2010/main" val="0"/>
+              </a:ext>
+            </a:extLst>
+          </a:blip>
+          <a:stretch>
+            <a:fillRect/>
+          </a:stretch>
+        </p:blipFill>
+        <p:spPr>
+          <a:xfrm>
+            <a:off x="7187605" y="3635620"/>
+            <a:ext cx="4582799" cy="2577824"/>
+          </a:xfrm>
+          <a:prstGeom prst="rect">
+            <a:avLst/>
+          </a:prstGeom>
+        </p:spPr>
+      </p:pic>
     </p:spTree>
     <p:extLst>
       <p:ext uri="{BB962C8B-B14F-4D97-AF65-F5344CB8AC3E}">
@@ -9016,6 +7275,13 @@
   <p:clrMapOvr>
     <a:masterClrMapping/>
   </p:clrMapOvr>
+  <p:timing>
+    <p:tnLst>
+      <p:par>
+        <p:cTn id="1" dur="indefinite" restart="never" nodeType="tmRoot"/>
+      </p:par>
+    </p:tnLst>
+  </p:timing>
 </p:sld>
 </file>
 
@@ -9049,42 +7315,6 @@
       </p:grpSpPr>
       <p:pic>
         <p:nvPicPr>
-          <p:cNvPr id="8" name="Image 7" descr="Une image contenant texte, clipart&#10;&#10;Description générée automatiquement">
-            <a:extLst>
-              <a:ext uri="{FF2B5EF4-FFF2-40B4-BE49-F238E27FC236}">
-                <a16:creationId xmlns:a16="http://schemas.microsoft.com/office/drawing/2014/main" id="{A487C71C-16E7-4D8F-9F9A-46DCBED7A84E}"/>
-              </a:ext>
-            </a:extLst>
-          </p:cNvPr>
-          <p:cNvPicPr>
-            <a:picLocks noChangeAspect="1"/>
-          </p:cNvPicPr>
-          <p:nvPr/>
-        </p:nvPicPr>
-        <p:blipFill>
-          <a:blip r:embed="rId2">
-            <a:extLst>
-              <a:ext uri="{28A0092B-C50C-407E-A947-70E740481C1C}">
-                <a14:useLocalDpi xmlns:a14="http://schemas.microsoft.com/office/drawing/2010/main" val="0"/>
-              </a:ext>
-            </a:extLst>
-          </a:blip>
-          <a:stretch>
-            <a:fillRect/>
-          </a:stretch>
-        </p:blipFill>
-        <p:spPr>
-          <a:xfrm>
-            <a:off x="1732317" y="3999677"/>
-            <a:ext cx="1487475" cy="1983299"/>
-          </a:xfrm>
-          <a:prstGeom prst="rect">
-            <a:avLst/>
-          </a:prstGeom>
-        </p:spPr>
-      </p:pic>
-      <p:pic>
-        <p:nvPicPr>
           <p:cNvPr id="16" name="Image 15">
             <a:extLst>
               <a:ext uri="{FF2B5EF4-FFF2-40B4-BE49-F238E27FC236}">
@@ -9098,7 +7328,7 @@
           <p:nvPr/>
         </p:nvPicPr>
         <p:blipFill>
-          <a:blip r:embed="rId3" cstate="print">
+          <a:blip r:embed="rId2" cstate="print">
             <a:extLst>
               <a:ext uri="{28A0092B-C50C-407E-A947-70E740481C1C}">
                 <a14:useLocalDpi xmlns:a14="http://schemas.microsoft.com/office/drawing/2010/main" val="0"/>
@@ -9298,6 +7528,13 @@
   <p:clrMapOvr>
     <a:masterClrMapping/>
   </p:clrMapOvr>
+  <p:timing>
+    <p:tnLst>
+      <p:par>
+        <p:cTn id="1" dur="indefinite" restart="never" nodeType="tmRoot"/>
+      </p:par>
+    </p:tnLst>
+  </p:timing>
 </p:sld>
 </file>
 
@@ -9329,17 +7566,47 @@
           <a:chExt cx="0" cy="0"/>
         </a:xfrm>
       </p:grpSpPr>
-      <p:pic>
-        <p:nvPicPr>
-          <p:cNvPr id="10" name="Image 9">
+      <p:sp>
+        <p:nvSpPr>
+          <p:cNvPr id="24" name="ZoneTexte 23">
             <a:extLst>
               <a:ext uri="{FF2B5EF4-FFF2-40B4-BE49-F238E27FC236}">
-                <a16:creationId xmlns:a16="http://schemas.microsoft.com/office/drawing/2014/main" id="{8637E96C-493A-49AD-807E-59EBCB05F0E5}"/>
+                <a16:creationId xmlns:a16="http://schemas.microsoft.com/office/drawing/2014/main" id="{C5FA7485-4BB8-4D96-9782-6D489CC76913}"/>
               </a:ext>
             </a:extLst>
           </p:cNvPr>
+          <p:cNvSpPr txBox="1"/>
+          <p:nvPr/>
+        </p:nvSpPr>
+        <p:spPr>
+          <a:xfrm>
+            <a:off x="-19050" y="6565900"/>
+            <a:ext cx="552450" cy="246221"/>
+          </a:xfrm>
+          <a:prstGeom prst="rect">
+            <a:avLst/>
+          </a:prstGeom>
+          <a:noFill/>
+        </p:spPr>
+        <p:txBody>
+          <a:bodyPr wrap="square" rtlCol="0">
+            <a:spAutoFit/>
+          </a:bodyPr>
+          <a:lstStyle/>
+          <a:p>
+            <a:r>
+              <a:rPr lang="fr-CH" sz="1000" dirty="0"/>
+              <a:t>7/16</a:t>
+            </a:r>
+            <a:endParaRPr lang="fr-CH" sz="1050" dirty="0"/>
+          </a:p>
+        </p:txBody>
+      </p:sp>
+      <p:pic>
+        <p:nvPicPr>
+          <p:cNvPr id="3078" name="Picture 6" descr="Afficher l’image source"/>
           <p:cNvPicPr>
-            <a:picLocks noChangeAspect="1"/>
+            <a:picLocks noChangeAspect="1" noChangeArrowheads="1"/>
           </p:cNvPicPr>
           <p:nvPr/>
         </p:nvPicPr>
@@ -9351,128 +7618,31 @@
               </a:ext>
             </a:extLst>
           </a:blip>
+          <a:srcRect/>
           <a:stretch>
             <a:fillRect/>
           </a:stretch>
         </p:blipFill>
-        <p:spPr>
-          <a:xfrm>
-            <a:off x="1236194" y="345424"/>
-            <a:ext cx="7631512" cy="3198875"/>
-          </a:xfrm>
-          <a:prstGeom prst="rect">
-            <a:avLst/>
-          </a:prstGeom>
-        </p:spPr>
-      </p:pic>
-      <p:pic>
-        <p:nvPicPr>
-          <p:cNvPr id="12" name="Image 11" descr="Une image contenant texte, clipart, graphiques vectoriels&#10;&#10;Description générée automatiquement">
-            <a:extLst>
-              <a:ext uri="{FF2B5EF4-FFF2-40B4-BE49-F238E27FC236}">
-                <a16:creationId xmlns:a16="http://schemas.microsoft.com/office/drawing/2014/main" id="{422A3166-2488-46B3-B5E1-734BA59C8429}"/>
-              </a:ext>
-            </a:extLst>
-          </p:cNvPr>
-          <p:cNvPicPr>
-            <a:picLocks noChangeAspect="1"/>
-          </p:cNvPicPr>
-          <p:nvPr/>
-        </p:nvPicPr>
-        <p:blipFill>
-          <a:blip r:embed="rId3">
-            <a:extLst>
-              <a:ext uri="{28A0092B-C50C-407E-A947-70E740481C1C}">
-                <a14:useLocalDpi xmlns:a14="http://schemas.microsoft.com/office/drawing/2010/main" val="0"/>
-              </a:ext>
-            </a:extLst>
-          </a:blip>
-          <a:stretch>
-            <a:fillRect/>
-          </a:stretch>
-        </p:blipFill>
-        <p:spPr>
-          <a:xfrm>
-            <a:off x="2817026" y="3875562"/>
-            <a:ext cx="2128976" cy="1577019"/>
-          </a:xfrm>
-          <a:prstGeom prst="rect">
-            <a:avLst/>
-          </a:prstGeom>
-        </p:spPr>
-      </p:pic>
-      <p:pic>
-        <p:nvPicPr>
-          <p:cNvPr id="18" name="Image 17">
-            <a:extLst>
-              <a:ext uri="{FF2B5EF4-FFF2-40B4-BE49-F238E27FC236}">
-                <a16:creationId xmlns:a16="http://schemas.microsoft.com/office/drawing/2014/main" id="{80A3B974-C7A7-4350-84FD-425C52F2A09F}"/>
-              </a:ext>
-            </a:extLst>
-          </p:cNvPr>
-          <p:cNvPicPr>
-            <a:picLocks noChangeAspect="1"/>
-          </p:cNvPicPr>
-          <p:nvPr/>
-        </p:nvPicPr>
-        <p:blipFill>
-          <a:blip r:embed="rId4" cstate="print">
-            <a:extLst>
-              <a:ext uri="{28A0092B-C50C-407E-A947-70E740481C1C}">
-                <a14:useLocalDpi xmlns:a14="http://schemas.microsoft.com/office/drawing/2010/main" val="0"/>
-              </a:ext>
-            </a:extLst>
-          </a:blip>
-          <a:stretch>
-            <a:fillRect/>
-          </a:stretch>
-        </p:blipFill>
-        <p:spPr>
-          <a:xfrm>
-            <a:off x="6185282" y="3256192"/>
-            <a:ext cx="4582799" cy="2577824"/>
-          </a:xfrm>
-          <a:prstGeom prst="rect">
-            <a:avLst/>
-          </a:prstGeom>
-        </p:spPr>
-      </p:pic>
-      <p:sp>
-        <p:nvSpPr>
-          <p:cNvPr id="24" name="ZoneTexte 23">
-            <a:extLst>
-              <a:ext uri="{FF2B5EF4-FFF2-40B4-BE49-F238E27FC236}">
-                <a16:creationId xmlns:a16="http://schemas.microsoft.com/office/drawing/2014/main" id="{C5FA7485-4BB8-4D96-9782-6D489CC76913}"/>
-              </a:ext>
-            </a:extLst>
-          </p:cNvPr>
-          <p:cNvSpPr txBox="1"/>
-          <p:nvPr/>
-        </p:nvSpPr>
-        <p:spPr>
-          <a:xfrm>
-            <a:off x="-19050" y="6565900"/>
-            <a:ext cx="552450" cy="246221"/>
+        <p:spPr bwMode="auto">
+          <a:xfrm>
+            <a:off x="1809196" y="572966"/>
+            <a:ext cx="3158524" cy="3158525"/>
           </a:xfrm>
           <a:prstGeom prst="rect">
             <a:avLst/>
           </a:prstGeom>
           <a:noFill/>
-        </p:spPr>
-        <p:txBody>
-          <a:bodyPr wrap="square" rtlCol="0">
-            <a:spAutoFit/>
-          </a:bodyPr>
-          <a:lstStyle/>
-          <a:p>
-            <a:r>
-              <a:rPr lang="fr-CH" sz="1000" dirty="0"/>
-              <a:t>7/16</a:t>
-            </a:r>
-            <a:endParaRPr lang="fr-CH" sz="1050" dirty="0"/>
-          </a:p>
-        </p:txBody>
-      </p:sp>
+          <a:extLst>
+            <a:ext uri="{909E8E84-426E-40DD-AFC4-6F175D3DCCD1}">
+              <a14:hiddenFill xmlns:a14="http://schemas.microsoft.com/office/drawing/2010/main">
+                <a:solidFill>
+                  <a:srgbClr val="FFFFFF"/>
+                </a:solidFill>
+              </a14:hiddenFill>
+            </a:ext>
+          </a:extLst>
+        </p:spPr>
+      </p:pic>
     </p:spTree>
     <p:extLst>
       <p:ext uri="{BB962C8B-B14F-4D97-AF65-F5344CB8AC3E}">
@@ -9483,6 +7653,13 @@
   <p:clrMapOvr>
     <a:masterClrMapping/>
   </p:clrMapOvr>
+  <p:timing>
+    <p:tnLst>
+      <p:par>
+        <p:cTn id="1" dur="indefinite" restart="never" nodeType="tmRoot"/>
+      </p:par>
+    </p:tnLst>
+  </p:timing>
 </p:sld>
 </file>
 
@@ -9554,10 +7731,10 @@
       </p:sp>
       <p:pic>
         <p:nvPicPr>
-          <p:cNvPr id="3" name="Image 2" descr="Une image contenant texte&#10;&#10;Description générée automatiquement">
+          <p:cNvPr id="9" name="Image 8">
             <a:extLst>
               <a:ext uri="{FF2B5EF4-FFF2-40B4-BE49-F238E27FC236}">
-                <a16:creationId xmlns:a16="http://schemas.microsoft.com/office/drawing/2014/main" id="{0D71C8BC-D4C4-4222-BB11-6F9602DBB0C5}"/>
+                <a16:creationId xmlns:a16="http://schemas.microsoft.com/office/drawing/2014/main" id="{DACF472F-A94F-42AB-BD0C-7904DC34F819}"/>
               </a:ext>
             </a:extLst>
           </p:cNvPr>
@@ -9567,7 +7744,7 @@
           <p:nvPr/>
         </p:nvPicPr>
         <p:blipFill>
-          <a:blip r:embed="rId2">
+          <a:blip r:embed="rId2" cstate="print">
             <a:extLst>
               <a:ext uri="{28A0092B-C50C-407E-A947-70E740481C1C}">
                 <a14:useLocalDpi xmlns:a14="http://schemas.microsoft.com/office/drawing/2010/main" val="0"/>
@@ -9580,8 +7757,8 @@
         </p:blipFill>
         <p:spPr>
           <a:xfrm>
-            <a:off x="9222941" y="4734538"/>
-            <a:ext cx="2995260" cy="2136618"/>
+            <a:off x="1525627" y="2002781"/>
+            <a:ext cx="1924187" cy="1924187"/>
           </a:xfrm>
           <a:prstGeom prst="rect">
             <a:avLst/>
@@ -9590,10 +7767,10 @@
       </p:pic>
       <p:pic>
         <p:nvPicPr>
-          <p:cNvPr id="9" name="Image 8">
+          <p:cNvPr id="11" name="Image 10">
             <a:extLst>
               <a:ext uri="{FF2B5EF4-FFF2-40B4-BE49-F238E27FC236}">
-                <a16:creationId xmlns:a16="http://schemas.microsoft.com/office/drawing/2014/main" id="{DACF472F-A94F-42AB-BD0C-7904DC34F819}"/>
+                <a16:creationId xmlns:a16="http://schemas.microsoft.com/office/drawing/2014/main" id="{C88B809F-EF90-4113-ACF0-B609E0FEF328}"/>
               </a:ext>
             </a:extLst>
           </p:cNvPr>
@@ -9616,8 +7793,8 @@
         </p:blipFill>
         <p:spPr>
           <a:xfrm>
-            <a:off x="1672185" y="4517381"/>
-            <a:ext cx="1924187" cy="1924187"/>
+            <a:off x="5154577" y="2002781"/>
+            <a:ext cx="2213637" cy="2213637"/>
           </a:xfrm>
           <a:prstGeom prst="rect">
             <a:avLst/>
@@ -9626,10 +7803,10 @@
       </p:pic>
       <p:pic>
         <p:nvPicPr>
-          <p:cNvPr id="11" name="Image 10">
+          <p:cNvPr id="12" name="Image 11">
             <a:extLst>
               <a:ext uri="{FF2B5EF4-FFF2-40B4-BE49-F238E27FC236}">
-                <a16:creationId xmlns:a16="http://schemas.microsoft.com/office/drawing/2014/main" id="{C88B809F-EF90-4113-ACF0-B609E0FEF328}"/>
+                <a16:creationId xmlns:a16="http://schemas.microsoft.com/office/drawing/2014/main" id="{5BC483BD-2B63-4333-AF06-2CE55E7E5B8E}"/>
               </a:ext>
             </a:extLst>
           </p:cNvPr>
@@ -9639,7 +7816,7 @@
           <p:nvPr/>
         </p:nvPicPr>
         <p:blipFill>
-          <a:blip r:embed="rId4" cstate="print">
+          <a:blip r:embed="rId4">
             <a:extLst>
               <a:ext uri="{28A0092B-C50C-407E-A947-70E740481C1C}">
                 <a14:useLocalDpi xmlns:a14="http://schemas.microsoft.com/office/drawing/2010/main" val="0"/>
@@ -9652,8 +7829,8 @@
         </p:blipFill>
         <p:spPr>
           <a:xfrm>
-            <a:off x="3099702" y="1803784"/>
-            <a:ext cx="2213637" cy="2213637"/>
+            <a:off x="4644362" y="5802847"/>
+            <a:ext cx="3670757" cy="268183"/>
           </a:xfrm>
           <a:prstGeom prst="rect">
             <a:avLst/>
@@ -9662,10 +7839,10 @@
       </p:pic>
       <p:pic>
         <p:nvPicPr>
-          <p:cNvPr id="12" name="Image 11">
+          <p:cNvPr id="14" name="Image 13" descr="Une image contenant texte, équipement électronique, téléphone mobile&#10;&#10;Description générée automatiquement">
             <a:extLst>
               <a:ext uri="{FF2B5EF4-FFF2-40B4-BE49-F238E27FC236}">
-                <a16:creationId xmlns:a16="http://schemas.microsoft.com/office/drawing/2014/main" id="{5BC483BD-2B63-4333-AF06-2CE55E7E5B8E}"/>
+                <a16:creationId xmlns:a16="http://schemas.microsoft.com/office/drawing/2014/main" id="{1B61ECAF-479F-47EC-8AB3-0D8B8F40D525}"/>
               </a:ext>
             </a:extLst>
           </p:cNvPr>
@@ -9688,43 +7865,7 @@
         </p:blipFill>
         <p:spPr>
           <a:xfrm>
-            <a:off x="4644362" y="5802847"/>
-            <a:ext cx="3670757" cy="268183"/>
-          </a:xfrm>
-          <a:prstGeom prst="rect">
-            <a:avLst/>
-          </a:prstGeom>
-        </p:spPr>
-      </p:pic>
-      <p:pic>
-        <p:nvPicPr>
-          <p:cNvPr id="14" name="Image 13" descr="Une image contenant texte, équipement électronique, téléphone mobile&#10;&#10;Description générée automatiquement">
-            <a:extLst>
-              <a:ext uri="{FF2B5EF4-FFF2-40B4-BE49-F238E27FC236}">
-                <a16:creationId xmlns:a16="http://schemas.microsoft.com/office/drawing/2014/main" id="{1B61ECAF-479F-47EC-8AB3-0D8B8F40D525}"/>
-              </a:ext>
-            </a:extLst>
-          </p:cNvPr>
-          <p:cNvPicPr>
-            <a:picLocks noChangeAspect="1"/>
-          </p:cNvPicPr>
-          <p:nvPr/>
-        </p:nvPicPr>
-        <p:blipFill>
-          <a:blip r:embed="rId6">
-            <a:extLst>
-              <a:ext uri="{28A0092B-C50C-407E-A947-70E740481C1C}">
-                <a14:useLocalDpi xmlns:a14="http://schemas.microsoft.com/office/drawing/2010/main" val="0"/>
-              </a:ext>
-            </a:extLst>
-          </a:blip>
-          <a:stretch>
-            <a:fillRect/>
-          </a:stretch>
-        </p:blipFill>
-        <p:spPr>
-          <a:xfrm>
-            <a:off x="5577744" y="2085700"/>
+            <a:off x="8315119" y="1443615"/>
             <a:ext cx="3331968" cy="3331968"/>
           </a:xfrm>
           <a:prstGeom prst="rect">
@@ -9778,6 +7919,13 @@
   <p:clrMapOvr>
     <a:masterClrMapping/>
   </p:clrMapOvr>
+  <p:timing>
+    <p:tnLst>
+      <p:par>
+        <p:cTn id="1" dur="indefinite" restart="never" nodeType="tmRoot"/>
+      </p:par>
+    </p:tnLst>
+  </p:timing>
 </p:sld>
 </file>
 
@@ -9809,34 +7957,6 @@
           <a:chExt cx="0" cy="0"/>
         </a:xfrm>
       </p:grpSpPr>
-      <p:pic>
-        <p:nvPicPr>
-          <p:cNvPr id="7" name="Image 6">
-            <a:extLst>
-              <a:ext uri="{FF2B5EF4-FFF2-40B4-BE49-F238E27FC236}">
-                <a16:creationId xmlns:a16="http://schemas.microsoft.com/office/drawing/2014/main" id="{5962023B-379D-48DF-BDCB-4E6A826B8338}"/>
-              </a:ext>
-            </a:extLst>
-          </p:cNvPr>
-          <p:cNvPicPr/>
-          <p:nvPr/>
-        </p:nvPicPr>
-        <p:blipFill>
-          <a:blip r:embed="rId2"/>
-          <a:stretch>
-            <a:fillRect/>
-          </a:stretch>
-        </p:blipFill>
-        <p:spPr>
-          <a:xfrm>
-            <a:off x="1816590" y="197285"/>
-            <a:ext cx="8927610" cy="6463430"/>
-          </a:xfrm>
-          <a:prstGeom prst="rect">
-            <a:avLst/>
-          </a:prstGeom>
-        </p:spPr>
-      </p:pic>
       <p:sp>
         <p:nvSpPr>
           <p:cNvPr id="8" name="ZoneTexte 7">
@@ -9883,6 +8003,13 @@
   <p:clrMapOvr>
     <a:masterClrMapping/>
   </p:clrMapOvr>
+  <p:timing>
+    <p:tnLst>
+      <p:par>
+        <p:cTn id="1" dur="indefinite" restart="never" nodeType="tmRoot"/>
+      </p:par>
+    </p:tnLst>
+  </p:timing>
 </p:sld>
 </file>
 
@@ -10406,18 +8533,18 @@
 </file>
 
 <file path=customXml/item1.xml><?xml version="1.0" encoding="utf-8"?>
+<p:properties xmlns:p="http://schemas.microsoft.com/office/2006/metadata/properties" xmlns:xsi="http://www.w3.org/2001/XMLSchema-instance" xmlns:pc="http://schemas.microsoft.com/office/infopath/2007/PartnerControls">
+  <documentManagement/>
+</p:properties>
+</file>
+
+<file path=customXml/item2.xml><?xml version="1.0" encoding="utf-8"?>
 <?mso-contentType ?>
 <FormTemplates xmlns="http://schemas.microsoft.com/sharepoint/v3/contenttype/forms">
   <Display>DocumentLibraryForm</Display>
   <Edit>DocumentLibraryForm</Edit>
   <New>DocumentLibraryForm</New>
 </FormTemplates>
-</file>
-
-<file path=customXml/item2.xml><?xml version="1.0" encoding="utf-8"?>
-<p:properties xmlns:p="http://schemas.microsoft.com/office/2006/metadata/properties" xmlns:xsi="http://www.w3.org/2001/XMLSchema-instance" xmlns:pc="http://schemas.microsoft.com/office/infopath/2007/PartnerControls">
-  <documentManagement/>
-</p:properties>
 </file>
 
 <file path=customXml/item3.xml><?xml version="1.0" encoding="utf-8"?>
@@ -10644,18 +8771,18 @@
 </file>
 
 <file path=customXml/itemProps1.xml><?xml version="1.0" encoding="utf-8"?>
-<ds:datastoreItem xmlns:ds="http://schemas.openxmlformats.org/officeDocument/2006/customXml" ds:itemID="{F26D9EF9-97D3-4AE3-9675-EE63906882BC}">
+<ds:datastoreItem xmlns:ds="http://schemas.openxmlformats.org/officeDocument/2006/customXml" ds:itemID="{5241A2BA-FF4C-4F9F-B5E5-4F02CE88EB3C}">
   <ds:schemaRefs>
-    <ds:schemaRef ds:uri="http://schemas.microsoft.com/sharepoint/v3/contenttype/forms"/>
+    <ds:schemaRef ds:uri="http://schemas.microsoft.com/office/2006/metadata/properties"/>
+    <ds:schemaRef ds:uri="http://schemas.microsoft.com/office/infopath/2007/PartnerControls"/>
   </ds:schemaRefs>
 </ds:datastoreItem>
 </file>
 
 <file path=customXml/itemProps2.xml><?xml version="1.0" encoding="utf-8"?>
-<ds:datastoreItem xmlns:ds="http://schemas.openxmlformats.org/officeDocument/2006/customXml" ds:itemID="{5241A2BA-FF4C-4F9F-B5E5-4F02CE88EB3C}">
+<ds:datastoreItem xmlns:ds="http://schemas.openxmlformats.org/officeDocument/2006/customXml" ds:itemID="{F26D9EF9-97D3-4AE3-9675-EE63906882BC}">
   <ds:schemaRefs>
-    <ds:schemaRef ds:uri="http://schemas.microsoft.com/office/2006/metadata/properties"/>
-    <ds:schemaRef ds:uri="http://schemas.microsoft.com/office/infopath/2007/PartnerControls"/>
+    <ds:schemaRef ds:uri="http://schemas.microsoft.com/sharepoint/v3/contenttype/forms"/>
   </ds:schemaRefs>
 </ds:datastoreItem>
 </file>

--- a/3-Presentation/x-trg-powerpoint.pptx
+++ b/3-Presentation/x-trg-powerpoint.pptx
@@ -212,7 +212,7 @@
           <a:p>
             <a:fld id="{F4621E8F-9AE5-49D8-8FEA-A206A5DE6B5A}" type="datetimeFigureOut">
               <a:rPr lang="fr-CH" smtClean="0"/>
-              <a:t>02.06.2022</a:t>
+              <a:t>03.06.2022</a:t>
             </a:fld>
             <a:endParaRPr lang="fr-CH"/>
           </a:p>
@@ -649,7 +649,7 @@
           <a:p>
             <a:fld id="{6E9CC9FB-C04F-409C-9471-E8938BEA45E4}" type="datetime1">
               <a:rPr lang="fr-CH" smtClean="0"/>
-              <a:t>02.06.2022</a:t>
+              <a:t>03.06.2022</a:t>
             </a:fld>
             <a:endParaRPr lang="fr-CH"/>
           </a:p>
@@ -979,7 +979,7 @@
           <a:p>
             <a:fld id="{678F2A60-7947-4BDC-881A-C5528F8105C2}" type="datetime1">
               <a:rPr lang="fr-CH" smtClean="0"/>
-              <a:t>02.06.2022</a:t>
+              <a:t>03.06.2022</a:t>
             </a:fld>
             <a:endParaRPr lang="fr-CH"/>
           </a:p>
@@ -1159,7 +1159,7 @@
           <a:p>
             <a:fld id="{FAE1BF13-BA8E-4E8F-88A5-F4F93D17AE26}" type="datetime1">
               <a:rPr lang="fr-CH" smtClean="0"/>
-              <a:t>02.06.2022</a:t>
+              <a:t>03.06.2022</a:t>
             </a:fld>
             <a:endParaRPr lang="fr-CH"/>
           </a:p>
@@ -1329,7 +1329,7 @@
           <a:p>
             <a:fld id="{86CEAAF3-EF49-4C4A-AAAE-05DDC68D984C}" type="datetime1">
               <a:rPr lang="fr-CH" smtClean="0"/>
-              <a:t>02.06.2022</a:t>
+              <a:t>03.06.2022</a:t>
             </a:fld>
             <a:endParaRPr lang="fr-CH"/>
           </a:p>
@@ -1606,7 +1606,7 @@
           <a:p>
             <a:fld id="{130DEE6D-C60B-43C5-881A-48F9E1EE870A}" type="datetime1">
               <a:rPr lang="fr-CH" smtClean="0"/>
-              <a:t>02.06.2022</a:t>
+              <a:t>03.06.2022</a:t>
             </a:fld>
             <a:endParaRPr lang="fr-CH"/>
           </a:p>
@@ -2000,7 +2000,7 @@
           <a:p>
             <a:fld id="{24FAEFE4-19D8-4ED1-92C5-9763DD77037D}" type="datetime1">
               <a:rPr lang="fr-CH" smtClean="0"/>
-              <a:t>02.06.2022</a:t>
+              <a:t>03.06.2022</a:t>
             </a:fld>
             <a:endParaRPr lang="fr-CH"/>
           </a:p>
@@ -2482,7 +2482,7 @@
           <a:p>
             <a:fld id="{E50C3965-A663-421D-9485-6EA2C6C9C7D8}" type="datetime1">
               <a:rPr lang="fr-CH" smtClean="0"/>
-              <a:t>02.06.2022</a:t>
+              <a:t>03.06.2022</a:t>
             </a:fld>
             <a:endParaRPr lang="fr-CH"/>
           </a:p>
@@ -2605,7 +2605,7 @@
           <a:p>
             <a:fld id="{67337510-B127-4C87-9D65-B87AA589C28B}" type="datetime1">
               <a:rPr lang="fr-CH" smtClean="0"/>
-              <a:t>02.06.2022</a:t>
+              <a:t>03.06.2022</a:t>
             </a:fld>
             <a:endParaRPr lang="fr-CH"/>
           </a:p>
@@ -2700,7 +2700,7 @@
           <a:p>
             <a:fld id="{2454FE32-287C-46E2-844C-27064569500A}" type="datetime1">
               <a:rPr lang="fr-CH" smtClean="0"/>
-              <a:t>02.06.2022</a:t>
+              <a:t>03.06.2022</a:t>
             </a:fld>
             <a:endParaRPr lang="fr-CH"/>
           </a:p>
@@ -3046,7 +3046,7 @@
           <a:p>
             <a:fld id="{F1EB5D37-3CFC-48FA-9297-C6BF76A94C0C}" type="datetime1">
               <a:rPr lang="fr-CH" smtClean="0"/>
-              <a:t>02.06.2022</a:t>
+              <a:t>03.06.2022</a:t>
             </a:fld>
             <a:endParaRPr lang="fr-CH"/>
           </a:p>
@@ -3439,7 +3439,7 @@
           <a:p>
             <a:fld id="{F19DA43F-3060-4ACE-8EB3-D075CF2FB0E5}" type="datetime1">
               <a:rPr lang="fr-CH" smtClean="0"/>
-              <a:t>02.06.2022</a:t>
+              <a:t>03.06.2022</a:t>
             </a:fld>
             <a:endParaRPr lang="fr-CH"/>
           </a:p>
@@ -3717,7 +3717,7 @@
           <a:p>
             <a:fld id="{23A98F3A-B8FB-4752-91CA-3BFDDB66AF04}" type="datetime1">
               <a:rPr lang="fr-CH" smtClean="0"/>
-              <a:t>02.06.2022</a:t>
+              <a:t>03.06.2022</a:t>
             </a:fld>
             <a:endParaRPr lang="fr-CH"/>
           </a:p>
@@ -4310,13 +4310,8 @@
           <a:p>
             <a:r>
               <a:rPr lang="fr-CH" dirty="0" smtClean="0"/>
-              <a:t>Chef de projet : M. </a:t>
-            </a:r>
-            <a:r>
-              <a:rPr lang="fr-CH" dirty="0" smtClean="0"/>
-              <a:t>Roberto Ferrari</a:t>
-            </a:r>
-            <a:endParaRPr lang="fr-CH" dirty="0" smtClean="0"/>
+              <a:t>Chef de projet : M. Roberto Ferrari</a:t>
+            </a:r>
           </a:p>
           <a:p>
             <a:r>
@@ -4850,7 +4845,7 @@
         </p:nvSpPr>
         <p:spPr>
           <a:xfrm>
-            <a:off x="7301393" y="2722531"/>
+            <a:off x="1377287" y="4664307"/>
             <a:ext cx="1875740" cy="871640"/>
           </a:xfrm>
           <a:prstGeom prst="rect">
@@ -4983,7 +4978,7 @@
         </p:nvSpPr>
         <p:spPr>
           <a:xfrm>
-            <a:off x="1311503" y="4722574"/>
+            <a:off x="5962633" y="2722998"/>
             <a:ext cx="2500690" cy="871640"/>
           </a:xfrm>
           <a:prstGeom prst="rect">
@@ -5357,14 +5352,14 @@
           <p:nvPr>
             <p:extLst>
               <p:ext uri="{D42A27DB-BD31-4B8C-83A1-F6EECF244321}">
-                <p14:modId xmlns:p14="http://schemas.microsoft.com/office/powerpoint/2010/main" val="169348732"/>
+                <p14:modId xmlns:p14="http://schemas.microsoft.com/office/powerpoint/2010/main" val="704384827"/>
               </p:ext>
             </p:extLst>
           </p:nvPr>
         </p:nvGraphicFramePr>
         <p:xfrm>
           <a:off x="1982158" y="1464309"/>
-          <a:ext cx="8419142" cy="4168140"/>
+          <a:ext cx="8981850" cy="4168140"/>
         </p:xfrm>
         <a:graphic>
           <a:graphicData uri="http://schemas.openxmlformats.org/drawingml/2006/table">
@@ -5373,14 +5368,14 @@
                 <a:tableStyleId>{5C22544A-7EE6-4342-B048-85BDC9FD1C3A}</a:tableStyleId>
               </a:tblPr>
               <a:tblGrid>
-                <a:gridCol w="4209571">
+                <a:gridCol w="4490925">
                   <a:extLst>
                     <a:ext uri="{9D8B030D-6E8A-4147-A177-3AD203B41FA5}">
                       <a16:colId xmlns:a16="http://schemas.microsoft.com/office/drawing/2014/main" val="830229039"/>
                     </a:ext>
                   </a:extLst>
                 </a:gridCol>
-                <a:gridCol w="4209571">
+                <a:gridCol w="4490925">
                   <a:extLst>
                     <a:ext uri="{9D8B030D-6E8A-4147-A177-3AD203B41FA5}">
                       <a16:colId xmlns:a16="http://schemas.microsoft.com/office/drawing/2014/main" val="1597912844"/>
@@ -5503,6 +5498,10 @@
                     <a:bodyPr/>
                     <a:lstStyle/>
                     <a:p>
+                      <a:r>
+                        <a:rPr lang="fr-CH" sz="2800" dirty="0" smtClean="0"/>
+                        <a:t>Compréhension de Xamarin</a:t>
+                      </a:r>
                       <a:endParaRPr lang="fr-CH" sz="2800" dirty="0"/>
                     </a:p>
                   </a:txBody>
@@ -6521,15 +6520,7 @@
                 <a:ea typeface="Times New Roman" panose="02020603050405020304" pitchFamily="18" charset="0"/>
                 <a:cs typeface="Times New Roman" panose="02020603050405020304" pitchFamily="18" charset="0"/>
               </a:rPr>
-              <a:t>02</a:t>
-            </a:r>
-            <a:r>
-              <a:rPr lang="fr-CH" sz="2400" dirty="0" smtClean="0">
-                <a:latin typeface="Century Gothic" panose="020B0502020202020204" pitchFamily="34" charset="0"/>
-                <a:ea typeface="Times New Roman" panose="02020603050405020304" pitchFamily="18" charset="0"/>
-                <a:cs typeface="Times New Roman" panose="02020603050405020304" pitchFamily="18" charset="0"/>
-              </a:rPr>
-              <a:t> Mai </a:t>
+              <a:t>02 Mai </a:t>
             </a:r>
             <a:r>
               <a:rPr lang="fr-CH" sz="2400" dirty="0">
@@ -7000,7 +6991,7 @@
           <p:nvPr/>
         </p:nvPicPr>
         <p:blipFill>
-          <a:blip r:embed="rId2">
+          <a:blip r:embed="rId2" cstate="print">
             <a:extLst>
               <a:ext uri="{28A0092B-C50C-407E-A947-70E740481C1C}">
                 <a14:useLocalDpi xmlns:a14="http://schemas.microsoft.com/office/drawing/2010/main" val="0"/>
@@ -7014,8 +7005,8 @@
         </p:blipFill>
         <p:spPr bwMode="auto">
           <a:xfrm>
-            <a:off x="1254703" y="433248"/>
-            <a:ext cx="3457537" cy="4267489"/>
+            <a:off x="1122440" y="2184352"/>
+            <a:ext cx="2868831" cy="3540875"/>
           </a:xfrm>
           <a:prstGeom prst="rect">
             <a:avLst/>
@@ -7611,7 +7602,7 @@
           <p:nvPr/>
         </p:nvPicPr>
         <p:blipFill>
-          <a:blip r:embed="rId2">
+          <a:blip r:embed="rId2" cstate="print">
             <a:extLst>
               <a:ext uri="{28A0092B-C50C-407E-A947-70E740481C1C}">
                 <a14:useLocalDpi xmlns:a14="http://schemas.microsoft.com/office/drawing/2010/main" val="0"/>
@@ -7625,8 +7616,8 @@
         </p:blipFill>
         <p:spPr bwMode="auto">
           <a:xfrm>
-            <a:off x="1809196" y="572966"/>
-            <a:ext cx="3158524" cy="3158525"/>
+            <a:off x="1316827" y="429555"/>
+            <a:ext cx="1935574" cy="1935575"/>
           </a:xfrm>
           <a:prstGeom prst="rect">
             <a:avLst/>
@@ -7643,6 +7634,107 @@
           </a:extLst>
         </p:spPr>
       </p:pic>
+      <p:pic>
+        <p:nvPicPr>
+          <p:cNvPr id="4" name="Picture 2" descr="Afficher l’image source"/>
+          <p:cNvPicPr>
+            <a:picLocks noChangeAspect="1" noChangeArrowheads="1"/>
+          </p:cNvPicPr>
+          <p:nvPr/>
+        </p:nvPicPr>
+        <p:blipFill>
+          <a:blip r:embed="rId3" cstate="print">
+            <a:extLst>
+              <a:ext uri="{28A0092B-C50C-407E-A947-70E740481C1C}">
+                <a14:useLocalDpi xmlns:a14="http://schemas.microsoft.com/office/drawing/2010/main" val="0"/>
+              </a:ext>
+            </a:extLst>
+          </a:blip>
+          <a:srcRect/>
+          <a:stretch>
+            <a:fillRect/>
+          </a:stretch>
+        </p:blipFill>
+        <p:spPr bwMode="auto">
+          <a:xfrm>
+            <a:off x="1528356" y="2639159"/>
+            <a:ext cx="1724045" cy="1722288"/>
+          </a:xfrm>
+          <a:prstGeom prst="rect">
+            <a:avLst/>
+          </a:prstGeom>
+          <a:noFill/>
+          <a:extLst>
+            <a:ext uri="{909E8E84-426E-40DD-AFC4-6F175D3DCCD1}">
+              <a14:hiddenFill xmlns:a14="http://schemas.microsoft.com/office/drawing/2010/main">
+                <a:solidFill>
+                  <a:srgbClr val="FFFFFF"/>
+                </a:solidFill>
+              </a14:hiddenFill>
+            </a:ext>
+          </a:extLst>
+        </p:spPr>
+      </p:pic>
+      <p:sp>
+        <p:nvSpPr>
+          <p:cNvPr id="5" name="ZoneTexte 4"/>
+          <p:cNvSpPr txBox="1"/>
+          <p:nvPr/>
+        </p:nvSpPr>
+        <p:spPr>
+          <a:xfrm>
+            <a:off x="3788731" y="3269470"/>
+            <a:ext cx="3623184" cy="584775"/>
+          </a:xfrm>
+          <a:prstGeom prst="rect">
+            <a:avLst/>
+          </a:prstGeom>
+          <a:noFill/>
+        </p:spPr>
+        <p:txBody>
+          <a:bodyPr wrap="square" rtlCol="0">
+            <a:spAutoFit/>
+          </a:bodyPr>
+          <a:lstStyle/>
+          <a:p>
+            <a:r>
+              <a:rPr lang="fr-CH" sz="3200" dirty="0" smtClean="0"/>
+              <a:t>Rg.Plugins.Popup</a:t>
+            </a:r>
+            <a:endParaRPr lang="fr-CH" sz="2400" dirty="0"/>
+          </a:p>
+        </p:txBody>
+      </p:sp>
+      <p:sp>
+        <p:nvSpPr>
+          <p:cNvPr id="2" name="ZoneTexte 1"/>
+          <p:cNvSpPr txBox="1"/>
+          <p:nvPr/>
+        </p:nvSpPr>
+        <p:spPr>
+          <a:xfrm>
+            <a:off x="3851031" y="808892"/>
+            <a:ext cx="3739947" cy="584775"/>
+          </a:xfrm>
+          <a:prstGeom prst="rect">
+            <a:avLst/>
+          </a:prstGeom>
+          <a:noFill/>
+        </p:spPr>
+        <p:txBody>
+          <a:bodyPr wrap="square" rtlCol="0">
+            <a:spAutoFit/>
+          </a:bodyPr>
+          <a:lstStyle/>
+          <a:p>
+            <a:r>
+              <a:rPr lang="fr-CH" sz="3200" dirty="0" smtClean="0"/>
+              <a:t>1 Mois – 84 heures</a:t>
+            </a:r>
+            <a:endParaRPr lang="fr-CH" sz="3200" dirty="0"/>
+          </a:p>
+        </p:txBody>
+      </p:sp>
     </p:spTree>
     <p:extLst>
       <p:ext uri="{BB962C8B-B14F-4D97-AF65-F5344CB8AC3E}">
@@ -8533,18 +8625,18 @@
 </file>
 
 <file path=customXml/item1.xml><?xml version="1.0" encoding="utf-8"?>
-<p:properties xmlns:p="http://schemas.microsoft.com/office/2006/metadata/properties" xmlns:xsi="http://www.w3.org/2001/XMLSchema-instance" xmlns:pc="http://schemas.microsoft.com/office/infopath/2007/PartnerControls">
-  <documentManagement/>
-</p:properties>
-</file>
-
-<file path=customXml/item2.xml><?xml version="1.0" encoding="utf-8"?>
 <?mso-contentType ?>
 <FormTemplates xmlns="http://schemas.microsoft.com/sharepoint/v3/contenttype/forms">
   <Display>DocumentLibraryForm</Display>
   <Edit>DocumentLibraryForm</Edit>
   <New>DocumentLibraryForm</New>
 </FormTemplates>
+</file>
+
+<file path=customXml/item2.xml><?xml version="1.0" encoding="utf-8"?>
+<p:properties xmlns:p="http://schemas.microsoft.com/office/2006/metadata/properties" xmlns:xsi="http://www.w3.org/2001/XMLSchema-instance" xmlns:pc="http://schemas.microsoft.com/office/infopath/2007/PartnerControls">
+  <documentManagement/>
+</p:properties>
 </file>
 
 <file path=customXml/item3.xml><?xml version="1.0" encoding="utf-8"?>
@@ -8771,18 +8863,18 @@
 </file>
 
 <file path=customXml/itemProps1.xml><?xml version="1.0" encoding="utf-8"?>
-<ds:datastoreItem xmlns:ds="http://schemas.openxmlformats.org/officeDocument/2006/customXml" ds:itemID="{5241A2BA-FF4C-4F9F-B5E5-4F02CE88EB3C}">
+<ds:datastoreItem xmlns:ds="http://schemas.openxmlformats.org/officeDocument/2006/customXml" ds:itemID="{F26D9EF9-97D3-4AE3-9675-EE63906882BC}">
   <ds:schemaRefs>
-    <ds:schemaRef ds:uri="http://schemas.microsoft.com/office/2006/metadata/properties"/>
-    <ds:schemaRef ds:uri="http://schemas.microsoft.com/office/infopath/2007/PartnerControls"/>
+    <ds:schemaRef ds:uri="http://schemas.microsoft.com/sharepoint/v3/contenttype/forms"/>
   </ds:schemaRefs>
 </ds:datastoreItem>
 </file>
 
 <file path=customXml/itemProps2.xml><?xml version="1.0" encoding="utf-8"?>
-<ds:datastoreItem xmlns:ds="http://schemas.openxmlformats.org/officeDocument/2006/customXml" ds:itemID="{F26D9EF9-97D3-4AE3-9675-EE63906882BC}">
+<ds:datastoreItem xmlns:ds="http://schemas.openxmlformats.org/officeDocument/2006/customXml" ds:itemID="{5241A2BA-FF4C-4F9F-B5E5-4F02CE88EB3C}">
   <ds:schemaRefs>
-    <ds:schemaRef ds:uri="http://schemas.microsoft.com/sharepoint/v3/contenttype/forms"/>
+    <ds:schemaRef ds:uri="http://schemas.microsoft.com/office/2006/metadata/properties"/>
+    <ds:schemaRef ds:uri="http://schemas.microsoft.com/office/infopath/2007/PartnerControls"/>
   </ds:schemaRefs>
 </ds:datastoreItem>
 </file>
